--- a/Apresentação Grafos.pptx
+++ b/Apresentação Grafos.pptx
@@ -5,11 +5,11 @@
     <p:sldMasterId id="2147483648" r:id="rId1"/>
   </p:sldMasterIdLst>
   <p:sldIdLst>
-    <p:sldId id="256" r:id="rId2"/>
+    <p:sldId id="263" r:id="rId2"/>
     <p:sldId id="257" r:id="rId3"/>
-    <p:sldId id="259" r:id="rId4"/>
-    <p:sldId id="260" r:id="rId5"/>
-    <p:sldId id="261" r:id="rId6"/>
+    <p:sldId id="261" r:id="rId4"/>
+    <p:sldId id="259" r:id="rId5"/>
+    <p:sldId id="260" r:id="rId6"/>
     <p:sldId id="262" r:id="rId7"/>
   </p:sldIdLst>
   <p:sldSz cx="12192000" cy="6858000"/>
@@ -109,6 +109,11 @@
       </a:defRPr>
     </a:lvl9pPr>
   </p:defaultTextStyle>
+  <p:extLst>
+    <p:ext uri="{EFAFB233-063F-42B5-8137-9DF3F51BA10A}">
+      <p15:sldGuideLst xmlns:p15="http://schemas.microsoft.com/office/powerpoint/2012/main"/>
+    </p:ext>
+  </p:extLst>
 </p:presentation>
 </file>
 
@@ -259,7 +264,7 @@
           <a:p>
             <a:fld id="{7FB98C90-4BD1-4AA0-8EB5-F1969BBBEE95}" type="datetimeFigureOut">
               <a:rPr lang="pt-BR" smtClean="0"/>
-              <a:t>28/09/2023</a:t>
+              <a:t>05/10/2023</a:t>
             </a:fld>
             <a:endParaRPr lang="pt-BR"/>
           </a:p>
@@ -457,7 +462,7 @@
           <a:p>
             <a:fld id="{7FB98C90-4BD1-4AA0-8EB5-F1969BBBEE95}" type="datetimeFigureOut">
               <a:rPr lang="pt-BR" smtClean="0"/>
-              <a:t>28/09/2023</a:t>
+              <a:t>05/10/2023</a:t>
             </a:fld>
             <a:endParaRPr lang="pt-BR"/>
           </a:p>
@@ -665,7 +670,7 @@
           <a:p>
             <a:fld id="{7FB98C90-4BD1-4AA0-8EB5-F1969BBBEE95}" type="datetimeFigureOut">
               <a:rPr lang="pt-BR" smtClean="0"/>
-              <a:t>28/09/2023</a:t>
+              <a:t>05/10/2023</a:t>
             </a:fld>
             <a:endParaRPr lang="pt-BR"/>
           </a:p>
@@ -863,7 +868,7 @@
           <a:p>
             <a:fld id="{7FB98C90-4BD1-4AA0-8EB5-F1969BBBEE95}" type="datetimeFigureOut">
               <a:rPr lang="pt-BR" smtClean="0"/>
-              <a:t>28/09/2023</a:t>
+              <a:t>05/10/2023</a:t>
             </a:fld>
             <a:endParaRPr lang="pt-BR"/>
           </a:p>
@@ -1138,7 +1143,7 @@
           <a:p>
             <a:fld id="{7FB98C90-4BD1-4AA0-8EB5-F1969BBBEE95}" type="datetimeFigureOut">
               <a:rPr lang="pt-BR" smtClean="0"/>
-              <a:t>28/09/2023</a:t>
+              <a:t>05/10/2023</a:t>
             </a:fld>
             <a:endParaRPr lang="pt-BR"/>
           </a:p>
@@ -1403,7 +1408,7 @@
           <a:p>
             <a:fld id="{7FB98C90-4BD1-4AA0-8EB5-F1969BBBEE95}" type="datetimeFigureOut">
               <a:rPr lang="pt-BR" smtClean="0"/>
-              <a:t>28/09/2023</a:t>
+              <a:t>05/10/2023</a:t>
             </a:fld>
             <a:endParaRPr lang="pt-BR"/>
           </a:p>
@@ -1815,7 +1820,7 @@
           <a:p>
             <a:fld id="{7FB98C90-4BD1-4AA0-8EB5-F1969BBBEE95}" type="datetimeFigureOut">
               <a:rPr lang="pt-BR" smtClean="0"/>
-              <a:t>28/09/2023</a:t>
+              <a:t>05/10/2023</a:t>
             </a:fld>
             <a:endParaRPr lang="pt-BR"/>
           </a:p>
@@ -1956,7 +1961,7 @@
           <a:p>
             <a:fld id="{7FB98C90-4BD1-4AA0-8EB5-F1969BBBEE95}" type="datetimeFigureOut">
               <a:rPr lang="pt-BR" smtClean="0"/>
-              <a:t>28/09/2023</a:t>
+              <a:t>05/10/2023</a:t>
             </a:fld>
             <a:endParaRPr lang="pt-BR"/>
           </a:p>
@@ -2069,7 +2074,7 @@
           <a:p>
             <a:fld id="{7FB98C90-4BD1-4AA0-8EB5-F1969BBBEE95}" type="datetimeFigureOut">
               <a:rPr lang="pt-BR" smtClean="0"/>
-              <a:t>28/09/2023</a:t>
+              <a:t>05/10/2023</a:t>
             </a:fld>
             <a:endParaRPr lang="pt-BR"/>
           </a:p>
@@ -2380,7 +2385,7 @@
           <a:p>
             <a:fld id="{7FB98C90-4BD1-4AA0-8EB5-F1969BBBEE95}" type="datetimeFigureOut">
               <a:rPr lang="pt-BR" smtClean="0"/>
-              <a:t>28/09/2023</a:t>
+              <a:t>05/10/2023</a:t>
             </a:fld>
             <a:endParaRPr lang="pt-BR"/>
           </a:p>
@@ -2668,7 +2673,7 @@
           <a:p>
             <a:fld id="{7FB98C90-4BD1-4AA0-8EB5-F1969BBBEE95}" type="datetimeFigureOut">
               <a:rPr lang="pt-BR" smtClean="0"/>
-              <a:t>28/09/2023</a:t>
+              <a:t>05/10/2023</a:t>
             </a:fld>
             <a:endParaRPr lang="pt-BR"/>
           </a:p>
@@ -2909,7 +2914,7 @@
           <a:p>
             <a:fld id="{7FB98C90-4BD1-4AA0-8EB5-F1969BBBEE95}" type="datetimeFigureOut">
               <a:rPr lang="pt-BR" smtClean="0"/>
-              <a:t>28/09/2023</a:t>
+              <a:t>05/10/2023</a:t>
             </a:fld>
             <a:endParaRPr lang="pt-BR"/>
           </a:p>
@@ -3312,6 +3317,14 @@
 <file path=ppt/slides/slide1.xml><?xml version="1.0" encoding="utf-8"?>
 <p:sld xmlns:a="http://schemas.openxmlformats.org/drawingml/2006/main" xmlns:r="http://schemas.openxmlformats.org/officeDocument/2006/relationships" xmlns:p="http://schemas.openxmlformats.org/presentationml/2006/main">
   <p:cSld>
+    <p:bg>
+      <p:bgPr>
+        <a:solidFill>
+          <a:schemeClr val="bg1"/>
+        </a:solidFill>
+        <a:effectLst/>
+      </p:bgPr>
+    </p:bg>
     <p:spTree>
       <p:nvGrpSpPr>
         <p:cNvPr id="1" name=""/>
@@ -3326,12 +3339,499 @@
           <a:chExt cx="0" cy="0"/>
         </a:xfrm>
       </p:grpSpPr>
+      <p:sp useBgFill="1">
+        <p:nvSpPr>
+          <p:cNvPr id="9" name="Rectangle 8">
+            <a:extLst>
+              <a:ext uri="{FF2B5EF4-FFF2-40B4-BE49-F238E27FC236}">
+                <a16:creationId xmlns:a16="http://schemas.microsoft.com/office/drawing/2014/main" id="{A8908DB7-C3A6-4FCB-9820-CEE02B398C4A}"/>
+              </a:ext>
+              <a:ext uri="{C183D7F6-B498-43B3-948B-1728B52AA6E4}">
+                <adec:decorative xmlns:adec="http://schemas.microsoft.com/office/drawing/2017/decorative" val="1"/>
+              </a:ext>
+            </a:extLst>
+          </p:cNvPr>
+          <p:cNvSpPr>
+            <a:spLocks noGrp="1" noRot="1" noChangeAspect="1" noMove="1" noResize="1" noEditPoints="1" noAdjustHandles="1" noChangeArrowheads="1" noChangeShapeType="1" noTextEdit="1"/>
+          </p:cNvSpPr>
+          <p:nvPr>
+            <p:extLst>
+              <p:ext uri="{386F3935-93C4-4BCD-93E2-E3B085C9AB24}">
+                <p16:designElem xmlns:p16="http://schemas.microsoft.com/office/powerpoint/2015/main" val="1"/>
+              </p:ext>
+            </p:extLst>
+          </p:nvPr>
+        </p:nvSpPr>
+        <p:spPr>
+          <a:xfrm>
+            <a:off x="0" y="0"/>
+            <a:ext cx="12192000" cy="6858000"/>
+          </a:xfrm>
+          <a:prstGeom prst="rect">
+            <a:avLst/>
+          </a:prstGeom>
+          <a:ln>
+            <a:noFill/>
+          </a:ln>
+        </p:spPr>
+        <p:style>
+          <a:lnRef idx="2">
+            <a:schemeClr val="accent1">
+              <a:shade val="50000"/>
+            </a:schemeClr>
+          </a:lnRef>
+          <a:fillRef idx="1">
+            <a:schemeClr val="accent1"/>
+          </a:fillRef>
+          <a:effectRef idx="0">
+            <a:schemeClr val="accent1"/>
+          </a:effectRef>
+          <a:fontRef idx="minor">
+            <a:schemeClr val="lt1"/>
+          </a:fontRef>
+        </p:style>
+        <p:txBody>
+          <a:bodyPr rtlCol="0" anchor="ctr"/>
+          <a:lstStyle/>
+          <a:p>
+            <a:pPr algn="ctr"/>
+            <a:endParaRPr lang="en-US"/>
+          </a:p>
+        </p:txBody>
+      </p:sp>
+      <p:sp>
+        <p:nvSpPr>
+          <p:cNvPr id="2" name="Título 1">
+            <a:extLst>
+              <a:ext uri="{FF2B5EF4-FFF2-40B4-BE49-F238E27FC236}">
+                <a16:creationId xmlns:a16="http://schemas.microsoft.com/office/drawing/2014/main" id="{1C184BE6-6019-A078-9A2B-13D458263313}"/>
+              </a:ext>
+            </a:extLst>
+          </p:cNvPr>
+          <p:cNvSpPr>
+            <a:spLocks noGrp="1"/>
+          </p:cNvSpPr>
+          <p:nvPr>
+            <p:ph type="title"/>
+          </p:nvPr>
+        </p:nvSpPr>
+        <p:spPr>
+          <a:xfrm>
+            <a:off x="630936" y="640823"/>
+            <a:ext cx="3419856" cy="5583148"/>
+          </a:xfrm>
+        </p:spPr>
+        <p:txBody>
+          <a:bodyPr anchor="ctr">
+            <a:normAutofit/>
+          </a:bodyPr>
+          <a:lstStyle/>
+          <a:p>
+            <a:r>
+              <a:rPr lang="pt-BR" sz="5400" b="1" dirty="0"/>
+              <a:t>Trabalho de Grafo </a:t>
+            </a:r>
+            <a:br>
+              <a:rPr lang="pt-BR" sz="5400" b="1" dirty="0"/>
+            </a:br>
+            <a:br>
+              <a:rPr lang="pt-BR" sz="5400" b="1" dirty="0"/>
+            </a:br>
+            <a:r>
+              <a:rPr lang="pt-BR" sz="5400" b="1" dirty="0"/>
+              <a:t>Comercio exterior</a:t>
+            </a:r>
+            <a:br>
+              <a:rPr lang="pt-BR" sz="5400" b="1" dirty="0"/>
+            </a:br>
+            <a:endParaRPr lang="pt-BR" sz="5400" dirty="0"/>
+          </a:p>
+        </p:txBody>
+      </p:sp>
+      <p:sp>
+        <p:nvSpPr>
+          <p:cNvPr id="11" name="sketch line">
+            <a:extLst>
+              <a:ext uri="{FF2B5EF4-FFF2-40B4-BE49-F238E27FC236}">
+                <a16:creationId xmlns:a16="http://schemas.microsoft.com/office/drawing/2014/main" id="{535742DD-1B16-4E9D-B715-0D74B4574A68}"/>
+              </a:ext>
+              <a:ext uri="{C183D7F6-B498-43B3-948B-1728B52AA6E4}">
+                <adec:decorative xmlns:adec="http://schemas.microsoft.com/office/drawing/2017/decorative" val="1"/>
+              </a:ext>
+            </a:extLst>
+          </p:cNvPr>
+          <p:cNvSpPr>
+            <a:spLocks noGrp="1" noRot="1" noChangeAspect="1" noMove="1" noResize="1" noEditPoints="1" noAdjustHandles="1" noChangeArrowheads="1" noChangeShapeType="1" noTextEdit="1"/>
+          </p:cNvSpPr>
+          <p:nvPr>
+            <p:extLst>
+              <p:ext uri="{386F3935-93C4-4BCD-93E2-E3B085C9AB24}">
+                <p16:designElem xmlns:p16="http://schemas.microsoft.com/office/powerpoint/2015/main" val="1"/>
+              </p:ext>
+            </p:extLst>
+          </p:nvPr>
+        </p:nvSpPr>
+        <p:spPr>
+          <a:xfrm flipH="1">
+            <a:off x="4267200" y="630936"/>
+            <a:ext cx="18288" cy="5590381"/>
+          </a:xfrm>
+          <a:custGeom>
+            <a:avLst/>
+            <a:gdLst>
+              <a:gd name="connsiteX0" fmla="*/ 0 w 18288"/>
+              <a:gd name="connsiteY0" fmla="*/ 0 h 5590381"/>
+              <a:gd name="connsiteX1" fmla="*/ 18288 w 18288"/>
+              <a:gd name="connsiteY1" fmla="*/ 0 h 5590381"/>
+              <a:gd name="connsiteX2" fmla="*/ 18288 w 18288"/>
+              <a:gd name="connsiteY2" fmla="*/ 754701 h 5590381"/>
+              <a:gd name="connsiteX3" fmla="*/ 18288 w 18288"/>
+              <a:gd name="connsiteY3" fmla="*/ 1565307 h 5590381"/>
+              <a:gd name="connsiteX4" fmla="*/ 18288 w 18288"/>
+              <a:gd name="connsiteY4" fmla="*/ 2152297 h 5590381"/>
+              <a:gd name="connsiteX5" fmla="*/ 18288 w 18288"/>
+              <a:gd name="connsiteY5" fmla="*/ 2906998 h 5590381"/>
+              <a:gd name="connsiteX6" fmla="*/ 18288 w 18288"/>
+              <a:gd name="connsiteY6" fmla="*/ 3549892 h 5590381"/>
+              <a:gd name="connsiteX7" fmla="*/ 18288 w 18288"/>
+              <a:gd name="connsiteY7" fmla="*/ 4080978 h 5590381"/>
+              <a:gd name="connsiteX8" fmla="*/ 18288 w 18288"/>
+              <a:gd name="connsiteY8" fmla="*/ 4835680 h 5590381"/>
+              <a:gd name="connsiteX9" fmla="*/ 18288 w 18288"/>
+              <a:gd name="connsiteY9" fmla="*/ 5590381 h 5590381"/>
+              <a:gd name="connsiteX10" fmla="*/ 0 w 18288"/>
+              <a:gd name="connsiteY10" fmla="*/ 5590381 h 5590381"/>
+              <a:gd name="connsiteX11" fmla="*/ 0 w 18288"/>
+              <a:gd name="connsiteY11" fmla="*/ 4835680 h 5590381"/>
+              <a:gd name="connsiteX12" fmla="*/ 0 w 18288"/>
+              <a:gd name="connsiteY12" fmla="*/ 4304593 h 5590381"/>
+              <a:gd name="connsiteX13" fmla="*/ 0 w 18288"/>
+              <a:gd name="connsiteY13" fmla="*/ 3773507 h 5590381"/>
+              <a:gd name="connsiteX14" fmla="*/ 0 w 18288"/>
+              <a:gd name="connsiteY14" fmla="*/ 3186517 h 5590381"/>
+              <a:gd name="connsiteX15" fmla="*/ 0 w 18288"/>
+              <a:gd name="connsiteY15" fmla="*/ 2487720 h 5590381"/>
+              <a:gd name="connsiteX16" fmla="*/ 0 w 18288"/>
+              <a:gd name="connsiteY16" fmla="*/ 1956633 h 5590381"/>
+              <a:gd name="connsiteX17" fmla="*/ 0 w 18288"/>
+              <a:gd name="connsiteY17" fmla="*/ 1425547 h 5590381"/>
+              <a:gd name="connsiteX18" fmla="*/ 0 w 18288"/>
+              <a:gd name="connsiteY18" fmla="*/ 614942 h 5590381"/>
+              <a:gd name="connsiteX19" fmla="*/ 0 w 18288"/>
+              <a:gd name="connsiteY19" fmla="*/ 0 h 5590381"/>
+            </a:gdLst>
+            <a:ahLst/>
+            <a:cxnLst>
+              <a:cxn ang="0">
+                <a:pos x="connsiteX0" y="connsiteY0"/>
+              </a:cxn>
+              <a:cxn ang="0">
+                <a:pos x="connsiteX1" y="connsiteY1"/>
+              </a:cxn>
+              <a:cxn ang="0">
+                <a:pos x="connsiteX2" y="connsiteY2"/>
+              </a:cxn>
+              <a:cxn ang="0">
+                <a:pos x="connsiteX3" y="connsiteY3"/>
+              </a:cxn>
+              <a:cxn ang="0">
+                <a:pos x="connsiteX4" y="connsiteY4"/>
+              </a:cxn>
+              <a:cxn ang="0">
+                <a:pos x="connsiteX5" y="connsiteY5"/>
+              </a:cxn>
+              <a:cxn ang="0">
+                <a:pos x="connsiteX6" y="connsiteY6"/>
+              </a:cxn>
+              <a:cxn ang="0">
+                <a:pos x="connsiteX7" y="connsiteY7"/>
+              </a:cxn>
+              <a:cxn ang="0">
+                <a:pos x="connsiteX8" y="connsiteY8"/>
+              </a:cxn>
+              <a:cxn ang="0">
+                <a:pos x="connsiteX9" y="connsiteY9"/>
+              </a:cxn>
+              <a:cxn ang="0">
+                <a:pos x="connsiteX10" y="connsiteY10"/>
+              </a:cxn>
+              <a:cxn ang="0">
+                <a:pos x="connsiteX11" y="connsiteY11"/>
+              </a:cxn>
+              <a:cxn ang="0">
+                <a:pos x="connsiteX12" y="connsiteY12"/>
+              </a:cxn>
+              <a:cxn ang="0">
+                <a:pos x="connsiteX13" y="connsiteY13"/>
+              </a:cxn>
+              <a:cxn ang="0">
+                <a:pos x="connsiteX14" y="connsiteY14"/>
+              </a:cxn>
+              <a:cxn ang="0">
+                <a:pos x="connsiteX15" y="connsiteY15"/>
+              </a:cxn>
+              <a:cxn ang="0">
+                <a:pos x="connsiteX16" y="connsiteY16"/>
+              </a:cxn>
+              <a:cxn ang="0">
+                <a:pos x="connsiteX17" y="connsiteY17"/>
+              </a:cxn>
+              <a:cxn ang="0">
+                <a:pos x="connsiteX18" y="connsiteY18"/>
+              </a:cxn>
+              <a:cxn ang="0">
+                <a:pos x="connsiteX19" y="connsiteY19"/>
+              </a:cxn>
+            </a:cxnLst>
+            <a:rect l="l" t="t" r="r" b="b"/>
+            <a:pathLst>
+              <a:path w="18288" h="5590381" fill="none" extrusionOk="0">
+                <a:moveTo>
+                  <a:pt x="0" y="0"/>
+                </a:moveTo>
+                <a:cubicBezTo>
+                  <a:pt x="7726" y="-435"/>
+                  <a:pt x="14198" y="437"/>
+                  <a:pt x="18288" y="0"/>
+                </a:cubicBezTo>
+                <a:cubicBezTo>
+                  <a:pt x="-5226" y="225076"/>
+                  <a:pt x="46275" y="562283"/>
+                  <a:pt x="18288" y="754701"/>
+                </a:cubicBezTo>
+                <a:cubicBezTo>
+                  <a:pt x="-9699" y="947119"/>
+                  <a:pt x="30081" y="1239251"/>
+                  <a:pt x="18288" y="1565307"/>
+                </a:cubicBezTo>
+                <a:cubicBezTo>
+                  <a:pt x="6495" y="1891363"/>
+                  <a:pt x="7160" y="1999140"/>
+                  <a:pt x="18288" y="2152297"/>
+                </a:cubicBezTo>
+                <a:cubicBezTo>
+                  <a:pt x="29417" y="2305454"/>
+                  <a:pt x="28705" y="2598333"/>
+                  <a:pt x="18288" y="2906998"/>
+                </a:cubicBezTo>
+                <a:cubicBezTo>
+                  <a:pt x="7871" y="3215663"/>
+                  <a:pt x="35263" y="3327412"/>
+                  <a:pt x="18288" y="3549892"/>
+                </a:cubicBezTo>
+                <a:cubicBezTo>
+                  <a:pt x="1313" y="3772372"/>
+                  <a:pt x="38561" y="3843836"/>
+                  <a:pt x="18288" y="4080978"/>
+                </a:cubicBezTo>
+                <a:cubicBezTo>
+                  <a:pt x="-1985" y="4318120"/>
+                  <a:pt x="-3806" y="4511166"/>
+                  <a:pt x="18288" y="4835680"/>
+                </a:cubicBezTo>
+                <a:cubicBezTo>
+                  <a:pt x="40382" y="5160194"/>
+                  <a:pt x="-13070" y="5401748"/>
+                  <a:pt x="18288" y="5590381"/>
+                </a:cubicBezTo>
+                <a:cubicBezTo>
+                  <a:pt x="12010" y="5589863"/>
+                  <a:pt x="6799" y="5589982"/>
+                  <a:pt x="0" y="5590381"/>
+                </a:cubicBezTo>
+                <a:cubicBezTo>
+                  <a:pt x="-6480" y="5250523"/>
+                  <a:pt x="-32148" y="5052531"/>
+                  <a:pt x="0" y="4835680"/>
+                </a:cubicBezTo>
+                <a:cubicBezTo>
+                  <a:pt x="32148" y="4618829"/>
+                  <a:pt x="5352" y="4496374"/>
+                  <a:pt x="0" y="4304593"/>
+                </a:cubicBezTo>
+                <a:cubicBezTo>
+                  <a:pt x="-5352" y="4112812"/>
+                  <a:pt x="9645" y="3919423"/>
+                  <a:pt x="0" y="3773507"/>
+                </a:cubicBezTo>
+                <a:cubicBezTo>
+                  <a:pt x="-9645" y="3627591"/>
+                  <a:pt x="-10654" y="3330687"/>
+                  <a:pt x="0" y="3186517"/>
+                </a:cubicBezTo>
+                <a:cubicBezTo>
+                  <a:pt x="10654" y="3042347"/>
+                  <a:pt x="18181" y="2635923"/>
+                  <a:pt x="0" y="2487720"/>
+                </a:cubicBezTo>
+                <a:cubicBezTo>
+                  <a:pt x="-18181" y="2339517"/>
+                  <a:pt x="-7947" y="2113537"/>
+                  <a:pt x="0" y="1956633"/>
+                </a:cubicBezTo>
+                <a:cubicBezTo>
+                  <a:pt x="7947" y="1799729"/>
+                  <a:pt x="-15145" y="1657735"/>
+                  <a:pt x="0" y="1425547"/>
+                </a:cubicBezTo>
+                <a:cubicBezTo>
+                  <a:pt x="15145" y="1193359"/>
+                  <a:pt x="-23832" y="948054"/>
+                  <a:pt x="0" y="614942"/>
+                </a:cubicBezTo>
+                <a:cubicBezTo>
+                  <a:pt x="23832" y="281831"/>
+                  <a:pt x="2816" y="129878"/>
+                  <a:pt x="0" y="0"/>
+                </a:cubicBezTo>
+                <a:close/>
+              </a:path>
+              <a:path w="18288" h="5590381" stroke="0" extrusionOk="0">
+                <a:moveTo>
+                  <a:pt x="0" y="0"/>
+                </a:moveTo>
+                <a:cubicBezTo>
+                  <a:pt x="5871" y="848"/>
+                  <a:pt x="11713" y="-200"/>
+                  <a:pt x="18288" y="0"/>
+                </a:cubicBezTo>
+                <a:cubicBezTo>
+                  <a:pt x="41141" y="165299"/>
+                  <a:pt x="3613" y="427555"/>
+                  <a:pt x="18288" y="698798"/>
+                </a:cubicBezTo>
+                <a:cubicBezTo>
+                  <a:pt x="32963" y="970041"/>
+                  <a:pt x="19680" y="1226199"/>
+                  <a:pt x="18288" y="1397595"/>
+                </a:cubicBezTo>
+                <a:cubicBezTo>
+                  <a:pt x="16896" y="1568991"/>
+                  <a:pt x="38798" y="1794517"/>
+                  <a:pt x="18288" y="2152297"/>
+                </a:cubicBezTo>
+                <a:cubicBezTo>
+                  <a:pt x="-2222" y="2510077"/>
+                  <a:pt x="40846" y="2594424"/>
+                  <a:pt x="18288" y="2739287"/>
+                </a:cubicBezTo>
+                <a:cubicBezTo>
+                  <a:pt x="-4270" y="2884150"/>
+                  <a:pt x="27117" y="3129706"/>
+                  <a:pt x="18288" y="3493988"/>
+                </a:cubicBezTo>
+                <a:cubicBezTo>
+                  <a:pt x="9459" y="3858270"/>
+                  <a:pt x="54201" y="4041447"/>
+                  <a:pt x="18288" y="4304593"/>
+                </a:cubicBezTo>
+                <a:cubicBezTo>
+                  <a:pt x="-17625" y="4567740"/>
+                  <a:pt x="49627" y="5149125"/>
+                  <a:pt x="18288" y="5590381"/>
+                </a:cubicBezTo>
+                <a:cubicBezTo>
+                  <a:pt x="10860" y="5590744"/>
+                  <a:pt x="7568" y="5590157"/>
+                  <a:pt x="0" y="5590381"/>
+                </a:cubicBezTo>
+                <a:cubicBezTo>
+                  <a:pt x="36767" y="5266821"/>
+                  <a:pt x="-16223" y="5116146"/>
+                  <a:pt x="0" y="4835680"/>
+                </a:cubicBezTo>
+                <a:cubicBezTo>
+                  <a:pt x="16223" y="4555214"/>
+                  <a:pt x="-16316" y="4356490"/>
+                  <a:pt x="0" y="4136882"/>
+                </a:cubicBezTo>
+                <a:cubicBezTo>
+                  <a:pt x="16316" y="3917274"/>
+                  <a:pt x="8005" y="3773465"/>
+                  <a:pt x="0" y="3549892"/>
+                </a:cubicBezTo>
+                <a:cubicBezTo>
+                  <a:pt x="-8005" y="3326319"/>
+                  <a:pt x="27623" y="3052456"/>
+                  <a:pt x="0" y="2851094"/>
+                </a:cubicBezTo>
+                <a:cubicBezTo>
+                  <a:pt x="-27623" y="2649732"/>
+                  <a:pt x="5614" y="2455815"/>
+                  <a:pt x="0" y="2264104"/>
+                </a:cubicBezTo>
+                <a:cubicBezTo>
+                  <a:pt x="-5614" y="2072393"/>
+                  <a:pt x="22598" y="1990723"/>
+                  <a:pt x="0" y="1733018"/>
+                </a:cubicBezTo>
+                <a:cubicBezTo>
+                  <a:pt x="-22598" y="1475313"/>
+                  <a:pt x="-6965" y="1369123"/>
+                  <a:pt x="0" y="1090124"/>
+                </a:cubicBezTo>
+                <a:cubicBezTo>
+                  <a:pt x="6965" y="811125"/>
+                  <a:pt x="-19273" y="507044"/>
+                  <a:pt x="0" y="0"/>
+                </a:cubicBezTo>
+                <a:close/>
+              </a:path>
+            </a:pathLst>
+          </a:custGeom>
+          <a:solidFill>
+            <a:schemeClr val="accent2"/>
+          </a:solidFill>
+          <a:ln w="41275" cap="rnd">
+            <a:solidFill>
+              <a:schemeClr val="accent2"/>
+            </a:solidFill>
+            <a:round/>
+            <a:extLst>
+              <a:ext uri="{C807C97D-BFC1-408E-A445-0C87EB9F89A2}">
+                <ask:lineSketchStyleProps xmlns:ask="http://schemas.microsoft.com/office/drawing/2018/sketchyshapes" sd="3114097614">
+                  <a:prstGeom prst="rect">
+                    <a:avLst/>
+                  </a:prstGeom>
+                  <ask:type>
+                    <ask:lineSketchFreehand/>
+                  </ask:type>
+                </ask:lineSketchStyleProps>
+              </a:ext>
+            </a:extLst>
+          </a:ln>
+        </p:spPr>
+        <p:style>
+          <a:lnRef idx="2">
+            <a:schemeClr val="accent1">
+              <a:shade val="50000"/>
+            </a:schemeClr>
+          </a:lnRef>
+          <a:fillRef idx="1">
+            <a:schemeClr val="accent1"/>
+          </a:fillRef>
+          <a:effectRef idx="0">
+            <a:schemeClr val="accent1"/>
+          </a:effectRef>
+          <a:fontRef idx="minor">
+            <a:schemeClr val="lt1"/>
+          </a:fontRef>
+        </p:style>
+        <p:txBody>
+          <a:bodyPr rtlCol="0" anchor="ctr"/>
+          <a:lstStyle/>
+          <a:p>
+            <a:pPr algn="ctr"/>
+            <a:endParaRPr lang="en-US"/>
+          </a:p>
+        </p:txBody>
+      </p:sp>
       <p:pic>
         <p:nvPicPr>
-          <p:cNvPr id="1026" name="Picture 2" descr="Comércio Exterior: tudo o que você precisa saber para internacionalizar a  sua empresa — Amcham Brasil">
-            <a:extLst>
-              <a:ext uri="{FF2B5EF4-FFF2-40B4-BE49-F238E27FC236}">
-                <a16:creationId xmlns:a16="http://schemas.microsoft.com/office/drawing/2014/main" id="{16D79F57-75D9-C453-1DB4-58FCE15BEA83}"/>
+          <p:cNvPr id="4" name="Picture 2" descr="Comércio Exterior: tudo o que você precisa saber para internacionalizar a  sua empresa — Amcham Brasil">
+            <a:extLst>
+              <a:ext uri="{FF2B5EF4-FFF2-40B4-BE49-F238E27FC236}">
+                <a16:creationId xmlns:a16="http://schemas.microsoft.com/office/drawing/2014/main" id="{73D47538-D701-4FAC-AB06-5864E4322159}"/>
               </a:ext>
             </a:extLst>
           </p:cNvPr>
@@ -3348,15 +3848,14 @@
               </a:ext>
             </a:extLst>
           </a:blip>
-          <a:srcRect/>
           <a:stretch>
             <a:fillRect/>
           </a:stretch>
         </p:blipFill>
         <p:spPr bwMode="auto">
           <a:xfrm>
-            <a:off x="298578" y="1343608"/>
-            <a:ext cx="5464811" cy="3088433"/>
+            <a:off x="4654296" y="864108"/>
+            <a:ext cx="6894576" cy="3447288"/>
           </a:xfrm>
           <a:prstGeom prst="rect">
             <a:avLst/>
@@ -3375,133 +3874,55 @@
       </p:pic>
       <p:sp>
         <p:nvSpPr>
-          <p:cNvPr id="4" name="CaixaDeTexto 3">
-            <a:extLst>
-              <a:ext uri="{FF2B5EF4-FFF2-40B4-BE49-F238E27FC236}">
-                <a16:creationId xmlns:a16="http://schemas.microsoft.com/office/drawing/2014/main" id="{C3C1197A-F490-8F08-0BF8-243AA36062BA}"/>
-              </a:ext>
-            </a:extLst>
-          </p:cNvPr>
-          <p:cNvSpPr txBox="1"/>
-          <p:nvPr/>
+          <p:cNvPr id="3" name="Espaço Reservado para Conteúdo 2">
+            <a:extLst>
+              <a:ext uri="{FF2B5EF4-FFF2-40B4-BE49-F238E27FC236}">
+                <a16:creationId xmlns:a16="http://schemas.microsoft.com/office/drawing/2014/main" id="{5F988F17-323D-886F-5C97-E511E948AA68}"/>
+              </a:ext>
+            </a:extLst>
+          </p:cNvPr>
+          <p:cNvSpPr>
+            <a:spLocks noGrp="1"/>
+          </p:cNvSpPr>
+          <p:nvPr>
+            <p:ph idx="1"/>
+          </p:nvPr>
         </p:nvSpPr>
         <p:spPr>
           <a:xfrm>
-            <a:off x="7259216" y="1343608"/>
-            <a:ext cx="4102341" cy="1938992"/>
+            <a:off x="4654296" y="4798577"/>
+            <a:ext cx="6894576" cy="1428487"/>
           </a:xfrm>
-          <a:prstGeom prst="rect">
-            <a:avLst/>
-          </a:prstGeom>
-          <a:noFill/>
         </p:spPr>
         <p:txBody>
-          <a:bodyPr wrap="none" rtlCol="0">
-            <a:spAutoFit/>
+          <a:bodyPr anchor="t">
+            <a:normAutofit/>
           </a:bodyPr>
           <a:lstStyle/>
           <a:p>
             <a:r>
-              <a:rPr lang="pt-BR" sz="4000" b="1" dirty="0"/>
-              <a:t>Trabalho de Grafo </a:t>
-            </a:r>
-          </a:p>
-          <a:p>
-            <a:endParaRPr lang="pt-BR" sz="4000" b="1" dirty="0"/>
-          </a:p>
-          <a:p>
-            <a:r>
-              <a:rPr lang="pt-BR" sz="4000" b="1" dirty="0"/>
-              <a:t>Comercio exterior</a:t>
-            </a:r>
-          </a:p>
-        </p:txBody>
-      </p:sp>
-      <p:sp>
-        <p:nvSpPr>
-          <p:cNvPr id="5" name="CaixaDeTexto 4">
-            <a:extLst>
-              <a:ext uri="{FF2B5EF4-FFF2-40B4-BE49-F238E27FC236}">
-                <a16:creationId xmlns:a16="http://schemas.microsoft.com/office/drawing/2014/main" id="{75C69D2D-B5C7-5B8B-4D75-565C5B4D72C0}"/>
-              </a:ext>
-            </a:extLst>
-          </p:cNvPr>
-          <p:cNvSpPr txBox="1"/>
-          <p:nvPr/>
-        </p:nvSpPr>
-        <p:spPr>
-          <a:xfrm>
-            <a:off x="4730620" y="-979716"/>
-            <a:ext cx="6120882" cy="7786747"/>
-          </a:xfrm>
-          <a:prstGeom prst="rect">
-            <a:avLst/>
-          </a:prstGeom>
-          <a:noFill/>
-        </p:spPr>
-        <p:txBody>
-          <a:bodyPr wrap="square" rtlCol="0">
-            <a:spAutoFit/>
-          </a:bodyPr>
-          <a:lstStyle/>
-          <a:p>
-            <a:r>
-              <a:rPr lang="pt-BR" sz="50000" dirty="0"/>
-              <a:t>|</a:t>
-            </a:r>
-          </a:p>
-        </p:txBody>
-      </p:sp>
-      <p:sp>
-        <p:nvSpPr>
-          <p:cNvPr id="6" name="CaixaDeTexto 5">
-            <a:extLst>
-              <a:ext uri="{FF2B5EF4-FFF2-40B4-BE49-F238E27FC236}">
-                <a16:creationId xmlns:a16="http://schemas.microsoft.com/office/drawing/2014/main" id="{1F015C94-971A-EBD5-F4E4-AF36F3F74AB3}"/>
-              </a:ext>
-            </a:extLst>
-          </p:cNvPr>
-          <p:cNvSpPr txBox="1"/>
-          <p:nvPr/>
-        </p:nvSpPr>
-        <p:spPr>
-          <a:xfrm>
-            <a:off x="7392457" y="3785710"/>
-            <a:ext cx="3835858" cy="646331"/>
-          </a:xfrm>
-          <a:prstGeom prst="rect">
-            <a:avLst/>
-          </a:prstGeom>
-          <a:noFill/>
-        </p:spPr>
-        <p:txBody>
-          <a:bodyPr wrap="none" rtlCol="0">
-            <a:spAutoFit/>
-          </a:bodyPr>
-          <a:lstStyle/>
-          <a:p>
-            <a:r>
-              <a:rPr lang="pt-BR" dirty="0"/>
-              <a:t>Artur Valladares Hernandez </a:t>
-            </a:r>
-            <a:r>
-              <a:rPr lang="pt-BR" dirty="0" err="1"/>
-              <a:t>Giacummo</a:t>
-            </a:r>
-            <a:endParaRPr lang="pt-BR" dirty="0"/>
-          </a:p>
-          <a:p>
-            <a:r>
-              <a:rPr lang="pt-BR" dirty="0"/>
-              <a:t>Mateus Yoon</a:t>
-            </a:r>
+              <a:rPr lang="pt-BR" sz="2200"/>
+              <a:t>Artur Valladares Hernandez Giacummo - 32129221</a:t>
+            </a:r>
+          </a:p>
+          <a:p>
+            <a:r>
+              <a:rPr lang="pt-BR" sz="2200"/>
+              <a:t>Mateus Yoon - 32159609</a:t>
+            </a:r>
+          </a:p>
+          <a:p>
+            <a:pPr marL="0" indent="0">
+              <a:buNone/>
+            </a:pPr>
+            <a:endParaRPr lang="pt-BR" sz="2200"/>
           </a:p>
         </p:txBody>
       </p:sp>
     </p:spTree>
     <p:extLst>
       <p:ext uri="{BB962C8B-B14F-4D97-AF65-F5344CB8AC3E}">
-        <p14:creationId xmlns:p14="http://schemas.microsoft.com/office/powerpoint/2010/main" val="412658703"/>
+        <p14:creationId xmlns:p14="http://schemas.microsoft.com/office/powerpoint/2010/main" val="1436152795"/>
       </p:ext>
     </p:extLst>
   </p:cSld>
@@ -3514,6 +3935,14 @@
 <file path=ppt/slides/slide2.xml><?xml version="1.0" encoding="utf-8"?>
 <p:sld xmlns:a="http://schemas.openxmlformats.org/drawingml/2006/main" xmlns:r="http://schemas.openxmlformats.org/officeDocument/2006/relationships" xmlns:p="http://schemas.openxmlformats.org/presentationml/2006/main">
   <p:cSld>
+    <p:bg>
+      <p:bgPr>
+        <a:solidFill>
+          <a:schemeClr val="bg1"/>
+        </a:solidFill>
+        <a:effectLst/>
+      </p:bgPr>
+    </p:bg>
     <p:spTree>
       <p:nvGrpSpPr>
         <p:cNvPr id="1" name=""/>
@@ -3528,6 +3957,66 @@
           <a:chExt cx="0" cy="0"/>
         </a:xfrm>
       </p:grpSpPr>
+      <p:sp useBgFill="1">
+        <p:nvSpPr>
+          <p:cNvPr id="13" name="Rectangle 12">
+            <a:extLst>
+              <a:ext uri="{FF2B5EF4-FFF2-40B4-BE49-F238E27FC236}">
+                <a16:creationId xmlns:a16="http://schemas.microsoft.com/office/drawing/2014/main" id="{2C61293E-6EBE-43EF-A52C-9BEBFD7679D4}"/>
+              </a:ext>
+              <a:ext uri="{C183D7F6-B498-43B3-948B-1728B52AA6E4}">
+                <adec:decorative xmlns:adec="http://schemas.microsoft.com/office/drawing/2017/decorative" val="1"/>
+              </a:ext>
+            </a:extLst>
+          </p:cNvPr>
+          <p:cNvSpPr>
+            <a:spLocks noGrp="1" noRot="1" noChangeAspect="1" noMove="1" noResize="1" noEditPoints="1" noAdjustHandles="1" noChangeArrowheads="1" noChangeShapeType="1" noTextEdit="1"/>
+          </p:cNvSpPr>
+          <p:nvPr>
+            <p:extLst>
+              <p:ext uri="{386F3935-93C4-4BCD-93E2-E3B085C9AB24}">
+                <p16:designElem xmlns:p16="http://schemas.microsoft.com/office/powerpoint/2015/main" val="1"/>
+              </p:ext>
+            </p:extLst>
+          </p:nvPr>
+        </p:nvSpPr>
+        <p:spPr>
+          <a:xfrm>
+            <a:off x="0" y="0"/>
+            <a:ext cx="12188952" cy="6858000"/>
+          </a:xfrm>
+          <a:prstGeom prst="rect">
+            <a:avLst/>
+          </a:prstGeom>
+          <a:ln>
+            <a:noFill/>
+          </a:ln>
+        </p:spPr>
+        <p:style>
+          <a:lnRef idx="2">
+            <a:schemeClr val="accent1">
+              <a:shade val="50000"/>
+            </a:schemeClr>
+          </a:lnRef>
+          <a:fillRef idx="1">
+            <a:schemeClr val="accent1"/>
+          </a:fillRef>
+          <a:effectRef idx="0">
+            <a:schemeClr val="accent1"/>
+          </a:effectRef>
+          <a:fontRef idx="minor">
+            <a:schemeClr val="lt1"/>
+          </a:fontRef>
+        </p:style>
+        <p:txBody>
+          <a:bodyPr rtlCol="0" anchor="ctr"/>
+          <a:lstStyle/>
+          <a:p>
+            <a:pPr algn="ctr"/>
+            <a:endParaRPr lang="en-US"/>
+          </a:p>
+        </p:txBody>
+      </p:sp>
       <p:sp>
         <p:nvSpPr>
           <p:cNvPr id="2" name="Título 1">
@@ -3544,18 +4033,509 @@
             <p:ph type="title"/>
           </p:nvPr>
         </p:nvSpPr>
-        <p:spPr/>
-        <p:txBody>
-          <a:bodyPr/>
+        <p:spPr>
+          <a:xfrm>
+            <a:off x="5297762" y="329184"/>
+            <a:ext cx="6251110" cy="1783080"/>
+          </a:xfrm>
+        </p:spPr>
+        <p:txBody>
+          <a:bodyPr anchor="b">
+            <a:normAutofit/>
+          </a:bodyPr>
           <a:lstStyle/>
           <a:p>
             <a:r>
-              <a:rPr lang="pt-BR" dirty="0"/>
+              <a:rPr lang="pt-BR" sz="5400"/>
               <a:t>Por que comercio exterior?</a:t>
             </a:r>
           </a:p>
         </p:txBody>
       </p:sp>
+      <p:pic>
+        <p:nvPicPr>
+          <p:cNvPr id="8" name="Imagem 7">
+            <a:extLst>
+              <a:ext uri="{FF2B5EF4-FFF2-40B4-BE49-F238E27FC236}">
+                <a16:creationId xmlns:a16="http://schemas.microsoft.com/office/drawing/2014/main" id="{A175DC24-456A-8AA7-D63D-FD754E38A728}"/>
+              </a:ext>
+            </a:extLst>
+          </p:cNvPr>
+          <p:cNvPicPr>
+            <a:picLocks noChangeAspect="1"/>
+          </p:cNvPicPr>
+          <p:nvPr/>
+        </p:nvPicPr>
+        <p:blipFill rotWithShape="1">
+          <a:blip r:embed="rId2"/>
+          <a:srcRect l="6272" r="3180"/>
+          <a:stretch/>
+        </p:blipFill>
+        <p:spPr>
+          <a:xfrm>
+            <a:off x="1" y="10"/>
+            <a:ext cx="4657344" cy="6857990"/>
+          </a:xfrm>
+          <a:custGeom>
+            <a:avLst/>
+            <a:gdLst/>
+            <a:ahLst/>
+            <a:cxnLst/>
+            <a:rect l="l" t="t" r="r" b="b"/>
+            <a:pathLst>
+              <a:path w="4657344" h="6858000">
+                <a:moveTo>
+                  <a:pt x="0" y="0"/>
+                </a:moveTo>
+                <a:lnTo>
+                  <a:pt x="3429755" y="0"/>
+                </a:lnTo>
+                <a:lnTo>
+                  <a:pt x="3526016" y="148742"/>
+                </a:lnTo>
+                <a:cubicBezTo>
+                  <a:pt x="3657740" y="365513"/>
+                  <a:pt x="3777402" y="589569"/>
+                  <a:pt x="3886489" y="819975"/>
+                </a:cubicBezTo>
+                <a:cubicBezTo>
+                  <a:pt x="3891856" y="833492"/>
+                  <a:pt x="3900663" y="845393"/>
+                  <a:pt x="3912049" y="854514"/>
+                </a:cubicBezTo>
+                <a:cubicBezTo>
+                  <a:pt x="3897352" y="819849"/>
+                  <a:pt x="3883037" y="784928"/>
+                  <a:pt x="3868083" y="750263"/>
+                </a:cubicBezTo>
+                <a:cubicBezTo>
+                  <a:pt x="3806989" y="608712"/>
+                  <a:pt x="3742478" y="469145"/>
+                  <a:pt x="3674155" y="331786"/>
+                </a:cubicBezTo>
+                <a:lnTo>
+                  <a:pt x="3496656" y="0"/>
+                </a:lnTo>
+                <a:lnTo>
+                  <a:pt x="3554371" y="0"/>
+                </a:lnTo>
+                <a:lnTo>
+                  <a:pt x="3661621" y="196614"/>
+                </a:lnTo>
+                <a:cubicBezTo>
+                  <a:pt x="3856899" y="573253"/>
+                  <a:pt x="4021071" y="966066"/>
+                  <a:pt x="4161279" y="1371196"/>
+                </a:cubicBezTo>
+                <a:cubicBezTo>
+                  <a:pt x="4379525" y="2007265"/>
+                  <a:pt x="4530141" y="2664286"/>
+                  <a:pt x="4610660" y="3331516"/>
+                </a:cubicBezTo>
+                <a:cubicBezTo>
+                  <a:pt x="4652837" y="3672965"/>
+                  <a:pt x="4671625" y="4013908"/>
+                  <a:pt x="4645040" y="4357388"/>
+                </a:cubicBezTo>
+                <a:cubicBezTo>
+                  <a:pt x="4613599" y="4758899"/>
+                  <a:pt x="4566181" y="5157998"/>
+                  <a:pt x="4485789" y="5552906"/>
+                </a:cubicBezTo>
+                <a:cubicBezTo>
+                  <a:pt x="4397121" y="5988893"/>
+                  <a:pt x="4276748" y="6414594"/>
+                  <a:pt x="4117769" y="6828295"/>
+                </a:cubicBezTo>
+                <a:lnTo>
+                  <a:pt x="4105288" y="6858000"/>
+                </a:lnTo>
+                <a:lnTo>
+                  <a:pt x="4052520" y="6858000"/>
+                </a:lnTo>
+                <a:lnTo>
+                  <a:pt x="4059369" y="6841549"/>
+                </a:lnTo>
+                <a:cubicBezTo>
+                  <a:pt x="4147276" y="6614016"/>
+                  <a:pt x="4224193" y="6380817"/>
+                  <a:pt x="4291518" y="6142729"/>
+                </a:cubicBezTo>
+                <a:cubicBezTo>
+                  <a:pt x="4350055" y="5935370"/>
+                  <a:pt x="4393256" y="5723695"/>
+                  <a:pt x="4443357" y="5513923"/>
+                </a:cubicBezTo>
+                <a:cubicBezTo>
+                  <a:pt x="4444541" y="5502788"/>
+                  <a:pt x="4445137" y="5491601"/>
+                  <a:pt x="4445146" y="5480401"/>
+                </a:cubicBezTo>
+                <a:cubicBezTo>
+                  <a:pt x="4408465" y="5607635"/>
+                  <a:pt x="4379196" y="5719759"/>
+                  <a:pt x="4344559" y="5830359"/>
+                </a:cubicBezTo>
+                <a:cubicBezTo>
+                  <a:pt x="4254261" y="6118381"/>
+                  <a:pt x="4150112" y="6398531"/>
+                  <a:pt x="4031702" y="6670527"/>
+                </a:cubicBezTo>
+                <a:lnTo>
+                  <a:pt x="3943824" y="6858000"/>
+                </a:lnTo>
+                <a:lnTo>
+                  <a:pt x="0" y="6858000"/>
+                </a:lnTo>
+                <a:close/>
+              </a:path>
+            </a:pathLst>
+          </a:custGeom>
+        </p:spPr>
+      </p:pic>
+      <p:sp>
+        <p:nvSpPr>
+          <p:cNvPr id="15" name="sketchy line">
+            <a:extLst>
+              <a:ext uri="{FF2B5EF4-FFF2-40B4-BE49-F238E27FC236}">
+                <a16:creationId xmlns:a16="http://schemas.microsoft.com/office/drawing/2014/main" id="{21540236-BFD5-4A9D-8840-4703E7F76825}"/>
+              </a:ext>
+              <a:ext uri="{C183D7F6-B498-43B3-948B-1728B52AA6E4}">
+                <adec:decorative xmlns:adec="http://schemas.microsoft.com/office/drawing/2017/decorative" val="1"/>
+              </a:ext>
+            </a:extLst>
+          </p:cNvPr>
+          <p:cNvSpPr>
+            <a:spLocks noGrp="1" noRot="1" noChangeAspect="1" noMove="1" noResize="1" noEditPoints="1" noAdjustHandles="1" noChangeArrowheads="1" noChangeShapeType="1" noTextEdit="1"/>
+          </p:cNvSpPr>
+          <p:nvPr>
+            <p:extLst>
+              <p:ext uri="{386F3935-93C4-4BCD-93E2-E3B085C9AB24}">
+                <p16:designElem xmlns:p16="http://schemas.microsoft.com/office/powerpoint/2015/main" val="1"/>
+              </p:ext>
+            </p:extLst>
+          </p:nvPr>
+        </p:nvSpPr>
+        <p:spPr>
+          <a:xfrm>
+            <a:off x="5297762" y="2374947"/>
+            <a:ext cx="4243589" cy="18288"/>
+          </a:xfrm>
+          <a:custGeom>
+            <a:avLst/>
+            <a:gdLst>
+              <a:gd name="connsiteX0" fmla="*/ 0 w 4243589"/>
+              <a:gd name="connsiteY0" fmla="*/ 0 h 18288"/>
+              <a:gd name="connsiteX1" fmla="*/ 478919 w 4243589"/>
+              <a:gd name="connsiteY1" fmla="*/ 0 h 18288"/>
+              <a:gd name="connsiteX2" fmla="*/ 957839 w 4243589"/>
+              <a:gd name="connsiteY2" fmla="*/ 0 h 18288"/>
+              <a:gd name="connsiteX3" fmla="*/ 1521630 w 4243589"/>
+              <a:gd name="connsiteY3" fmla="*/ 0 h 18288"/>
+              <a:gd name="connsiteX4" fmla="*/ 2212729 w 4243589"/>
+              <a:gd name="connsiteY4" fmla="*/ 0 h 18288"/>
+              <a:gd name="connsiteX5" fmla="*/ 2734084 w 4243589"/>
+              <a:gd name="connsiteY5" fmla="*/ 0 h 18288"/>
+              <a:gd name="connsiteX6" fmla="*/ 3255439 w 4243589"/>
+              <a:gd name="connsiteY6" fmla="*/ 0 h 18288"/>
+              <a:gd name="connsiteX7" fmla="*/ 4243589 w 4243589"/>
+              <a:gd name="connsiteY7" fmla="*/ 0 h 18288"/>
+              <a:gd name="connsiteX8" fmla="*/ 4243589 w 4243589"/>
+              <a:gd name="connsiteY8" fmla="*/ 18288 h 18288"/>
+              <a:gd name="connsiteX9" fmla="*/ 3594926 w 4243589"/>
+              <a:gd name="connsiteY9" fmla="*/ 18288 h 18288"/>
+              <a:gd name="connsiteX10" fmla="*/ 3073571 w 4243589"/>
+              <a:gd name="connsiteY10" fmla="*/ 18288 h 18288"/>
+              <a:gd name="connsiteX11" fmla="*/ 2552216 w 4243589"/>
+              <a:gd name="connsiteY11" fmla="*/ 18288 h 18288"/>
+              <a:gd name="connsiteX12" fmla="*/ 1903553 w 4243589"/>
+              <a:gd name="connsiteY12" fmla="*/ 18288 h 18288"/>
+              <a:gd name="connsiteX13" fmla="*/ 1212454 w 4243589"/>
+              <a:gd name="connsiteY13" fmla="*/ 18288 h 18288"/>
+              <a:gd name="connsiteX14" fmla="*/ 733535 w 4243589"/>
+              <a:gd name="connsiteY14" fmla="*/ 18288 h 18288"/>
+              <a:gd name="connsiteX15" fmla="*/ 0 w 4243589"/>
+              <a:gd name="connsiteY15" fmla="*/ 18288 h 18288"/>
+              <a:gd name="connsiteX16" fmla="*/ 0 w 4243589"/>
+              <a:gd name="connsiteY16" fmla="*/ 0 h 18288"/>
+            </a:gdLst>
+            <a:ahLst/>
+            <a:cxnLst>
+              <a:cxn ang="0">
+                <a:pos x="connsiteX0" y="connsiteY0"/>
+              </a:cxn>
+              <a:cxn ang="0">
+                <a:pos x="connsiteX1" y="connsiteY1"/>
+              </a:cxn>
+              <a:cxn ang="0">
+                <a:pos x="connsiteX2" y="connsiteY2"/>
+              </a:cxn>
+              <a:cxn ang="0">
+                <a:pos x="connsiteX3" y="connsiteY3"/>
+              </a:cxn>
+              <a:cxn ang="0">
+                <a:pos x="connsiteX4" y="connsiteY4"/>
+              </a:cxn>
+              <a:cxn ang="0">
+                <a:pos x="connsiteX5" y="connsiteY5"/>
+              </a:cxn>
+              <a:cxn ang="0">
+                <a:pos x="connsiteX6" y="connsiteY6"/>
+              </a:cxn>
+              <a:cxn ang="0">
+                <a:pos x="connsiteX7" y="connsiteY7"/>
+              </a:cxn>
+              <a:cxn ang="0">
+                <a:pos x="connsiteX8" y="connsiteY8"/>
+              </a:cxn>
+              <a:cxn ang="0">
+                <a:pos x="connsiteX9" y="connsiteY9"/>
+              </a:cxn>
+              <a:cxn ang="0">
+                <a:pos x="connsiteX10" y="connsiteY10"/>
+              </a:cxn>
+              <a:cxn ang="0">
+                <a:pos x="connsiteX11" y="connsiteY11"/>
+              </a:cxn>
+              <a:cxn ang="0">
+                <a:pos x="connsiteX12" y="connsiteY12"/>
+              </a:cxn>
+              <a:cxn ang="0">
+                <a:pos x="connsiteX13" y="connsiteY13"/>
+              </a:cxn>
+              <a:cxn ang="0">
+                <a:pos x="connsiteX14" y="connsiteY14"/>
+              </a:cxn>
+              <a:cxn ang="0">
+                <a:pos x="connsiteX15" y="connsiteY15"/>
+              </a:cxn>
+              <a:cxn ang="0">
+                <a:pos x="connsiteX16" y="connsiteY16"/>
+              </a:cxn>
+            </a:cxnLst>
+            <a:rect l="l" t="t" r="r" b="b"/>
+            <a:pathLst>
+              <a:path w="4243589" h="18288" fill="none" extrusionOk="0">
+                <a:moveTo>
+                  <a:pt x="0" y="0"/>
+                </a:moveTo>
+                <a:cubicBezTo>
+                  <a:pt x="213395" y="-21006"/>
+                  <a:pt x="307421" y="-18116"/>
+                  <a:pt x="478919" y="0"/>
+                </a:cubicBezTo>
+                <a:cubicBezTo>
+                  <a:pt x="650417" y="18116"/>
+                  <a:pt x="831092" y="-21237"/>
+                  <a:pt x="957839" y="0"/>
+                </a:cubicBezTo>
+                <a:cubicBezTo>
+                  <a:pt x="1084586" y="21237"/>
+                  <a:pt x="1301682" y="25124"/>
+                  <a:pt x="1521630" y="0"/>
+                </a:cubicBezTo>
+                <a:cubicBezTo>
+                  <a:pt x="1741578" y="-25124"/>
+                  <a:pt x="1970269" y="-29139"/>
+                  <a:pt x="2212729" y="0"/>
+                </a:cubicBezTo>
+                <a:cubicBezTo>
+                  <a:pt x="2455189" y="29139"/>
+                  <a:pt x="2558847" y="-4796"/>
+                  <a:pt x="2734084" y="0"/>
+                </a:cubicBezTo>
+                <a:cubicBezTo>
+                  <a:pt x="2909321" y="4796"/>
+                  <a:pt x="3097217" y="-13409"/>
+                  <a:pt x="3255439" y="0"/>
+                </a:cubicBezTo>
+                <a:cubicBezTo>
+                  <a:pt x="3413662" y="13409"/>
+                  <a:pt x="3979999" y="-10121"/>
+                  <a:pt x="4243589" y="0"/>
+                </a:cubicBezTo>
+                <a:cubicBezTo>
+                  <a:pt x="4244484" y="8974"/>
+                  <a:pt x="4243043" y="9359"/>
+                  <a:pt x="4243589" y="18288"/>
+                </a:cubicBezTo>
+                <a:cubicBezTo>
+                  <a:pt x="4058777" y="31246"/>
+                  <a:pt x="3910348" y="3158"/>
+                  <a:pt x="3594926" y="18288"/>
+                </a:cubicBezTo>
+                <a:cubicBezTo>
+                  <a:pt x="3279504" y="33418"/>
+                  <a:pt x="3319955" y="-3977"/>
+                  <a:pt x="3073571" y="18288"/>
+                </a:cubicBezTo>
+                <a:cubicBezTo>
+                  <a:pt x="2827187" y="40553"/>
+                  <a:pt x="2767387" y="1863"/>
+                  <a:pt x="2552216" y="18288"/>
+                </a:cubicBezTo>
+                <a:cubicBezTo>
+                  <a:pt x="2337046" y="34713"/>
+                  <a:pt x="2181871" y="19527"/>
+                  <a:pt x="1903553" y="18288"/>
+                </a:cubicBezTo>
+                <a:cubicBezTo>
+                  <a:pt x="1625235" y="17049"/>
+                  <a:pt x="1557672" y="24174"/>
+                  <a:pt x="1212454" y="18288"/>
+                </a:cubicBezTo>
+                <a:cubicBezTo>
+                  <a:pt x="867236" y="12402"/>
+                  <a:pt x="874382" y="15627"/>
+                  <a:pt x="733535" y="18288"/>
+                </a:cubicBezTo>
+                <a:cubicBezTo>
+                  <a:pt x="592688" y="20949"/>
+                  <a:pt x="183477" y="14753"/>
+                  <a:pt x="0" y="18288"/>
+                </a:cubicBezTo>
+                <a:cubicBezTo>
+                  <a:pt x="-229" y="14222"/>
+                  <a:pt x="509" y="5816"/>
+                  <a:pt x="0" y="0"/>
+                </a:cubicBezTo>
+                <a:close/>
+              </a:path>
+              <a:path w="4243589" h="18288" stroke="0" extrusionOk="0">
+                <a:moveTo>
+                  <a:pt x="0" y="0"/>
+                </a:moveTo>
+                <a:cubicBezTo>
+                  <a:pt x="143690" y="16630"/>
+                  <a:pt x="266667" y="14847"/>
+                  <a:pt x="521355" y="0"/>
+                </a:cubicBezTo>
+                <a:cubicBezTo>
+                  <a:pt x="776043" y="-14847"/>
+                  <a:pt x="814491" y="-17363"/>
+                  <a:pt x="1000275" y="0"/>
+                </a:cubicBezTo>
+                <a:cubicBezTo>
+                  <a:pt x="1186059" y="17363"/>
+                  <a:pt x="1352504" y="-23507"/>
+                  <a:pt x="1521630" y="0"/>
+                </a:cubicBezTo>
+                <a:cubicBezTo>
+                  <a:pt x="1690756" y="23507"/>
+                  <a:pt x="1889525" y="5871"/>
+                  <a:pt x="2127857" y="0"/>
+                </a:cubicBezTo>
+                <a:cubicBezTo>
+                  <a:pt x="2366189" y="-5871"/>
+                  <a:pt x="2620628" y="-27997"/>
+                  <a:pt x="2776520" y="0"/>
+                </a:cubicBezTo>
+                <a:cubicBezTo>
+                  <a:pt x="2932412" y="27997"/>
+                  <a:pt x="3131683" y="-25073"/>
+                  <a:pt x="3467618" y="0"/>
+                </a:cubicBezTo>
+                <a:cubicBezTo>
+                  <a:pt x="3803553" y="25073"/>
+                  <a:pt x="4017371" y="3071"/>
+                  <a:pt x="4243589" y="0"/>
+                </a:cubicBezTo>
+                <a:cubicBezTo>
+                  <a:pt x="4243134" y="6162"/>
+                  <a:pt x="4243492" y="11775"/>
+                  <a:pt x="4243589" y="18288"/>
+                </a:cubicBezTo>
+                <a:cubicBezTo>
+                  <a:pt x="4017834" y="-5779"/>
+                  <a:pt x="3834586" y="13376"/>
+                  <a:pt x="3594926" y="18288"/>
+                </a:cubicBezTo>
+                <a:cubicBezTo>
+                  <a:pt x="3355266" y="23200"/>
+                  <a:pt x="3204179" y="2869"/>
+                  <a:pt x="2903827" y="18288"/>
+                </a:cubicBezTo>
+                <a:cubicBezTo>
+                  <a:pt x="2603475" y="33707"/>
+                  <a:pt x="2526187" y="46187"/>
+                  <a:pt x="2212729" y="18288"/>
+                </a:cubicBezTo>
+                <a:cubicBezTo>
+                  <a:pt x="1899271" y="-9611"/>
+                  <a:pt x="1966289" y="29692"/>
+                  <a:pt x="1733809" y="18288"/>
+                </a:cubicBezTo>
+                <a:cubicBezTo>
+                  <a:pt x="1501329" y="6884"/>
+                  <a:pt x="1343612" y="12492"/>
+                  <a:pt x="1085146" y="18288"/>
+                </a:cubicBezTo>
+                <a:cubicBezTo>
+                  <a:pt x="826680" y="24084"/>
+                  <a:pt x="778184" y="35607"/>
+                  <a:pt x="521355" y="18288"/>
+                </a:cubicBezTo>
+                <a:cubicBezTo>
+                  <a:pt x="264526" y="969"/>
+                  <a:pt x="120277" y="4268"/>
+                  <a:pt x="0" y="18288"/>
+                </a:cubicBezTo>
+                <a:cubicBezTo>
+                  <a:pt x="766" y="10800"/>
+                  <a:pt x="-457" y="8180"/>
+                  <a:pt x="0" y="0"/>
+                </a:cubicBezTo>
+                <a:close/>
+              </a:path>
+            </a:pathLst>
+          </a:custGeom>
+          <a:solidFill>
+            <a:schemeClr val="accent2"/>
+          </a:solidFill>
+          <a:ln w="44450" cap="rnd">
+            <a:solidFill>
+              <a:schemeClr val="accent2"/>
+            </a:solidFill>
+            <a:round/>
+            <a:extLst>
+              <a:ext uri="{C807C97D-BFC1-408E-A445-0C87EB9F89A2}">
+                <ask:lineSketchStyleProps xmlns:ask="http://schemas.microsoft.com/office/drawing/2018/sketchyshapes" sd="2727557108">
+                  <a:prstGeom prst="rect">
+                    <a:avLst/>
+                  </a:prstGeom>
+                  <ask:type>
+                    <ask:lineSketchFreehand/>
+                  </ask:type>
+                </ask:lineSketchStyleProps>
+              </a:ext>
+            </a:extLst>
+          </a:ln>
+        </p:spPr>
+        <p:style>
+          <a:lnRef idx="2">
+            <a:schemeClr val="accent1">
+              <a:shade val="50000"/>
+            </a:schemeClr>
+          </a:lnRef>
+          <a:fillRef idx="1">
+            <a:schemeClr val="accent1"/>
+          </a:fillRef>
+          <a:effectRef idx="0">
+            <a:schemeClr val="accent1"/>
+          </a:effectRef>
+          <a:fontRef idx="minor">
+            <a:schemeClr val="lt1"/>
+          </a:fontRef>
+        </p:style>
+        <p:txBody>
+          <a:bodyPr rtlCol="0" anchor="ctr"/>
+          <a:lstStyle/>
+          <a:p>
+            <a:pPr algn="ctr"/>
+            <a:endParaRPr lang="en-US"/>
+          </a:p>
+        </p:txBody>
+      </p:sp>
       <p:sp>
         <p:nvSpPr>
           <p:cNvPr id="3" name="Espaço Reservado para Conteúdo 2">
@@ -3572,32 +4552,45 @@
             <p:ph idx="1"/>
           </p:nvPr>
         </p:nvSpPr>
-        <p:spPr/>
-        <p:txBody>
-          <a:bodyPr/>
+        <p:spPr>
+          <a:xfrm>
+            <a:off x="5297762" y="2706624"/>
+            <a:ext cx="6251110" cy="3483864"/>
+          </a:xfrm>
+        </p:spPr>
+        <p:txBody>
+          <a:bodyPr>
+            <a:normAutofit/>
+          </a:bodyPr>
           <a:lstStyle/>
           <a:p>
             <a:r>
-              <a:rPr lang="pt-BR" dirty="0"/>
+              <a:rPr lang="pt-BR" sz="2200" dirty="0"/>
               <a:t>Entender melhor a situação econômica do país</a:t>
             </a:r>
           </a:p>
           <a:p>
             <a:r>
-              <a:rPr lang="pt-BR" dirty="0"/>
+              <a:rPr lang="pt-BR" sz="2200" dirty="0"/>
               <a:t>Facilidade em achar informações</a:t>
             </a:r>
           </a:p>
           <a:p>
             <a:r>
-              <a:rPr lang="pt-BR" dirty="0"/>
+              <a:rPr lang="pt-BR" sz="2200" dirty="0"/>
               <a:t>Relacionamento com ODS</a:t>
             </a:r>
           </a:p>
           <a:p>
             <a:r>
-              <a:rPr lang="pt-BR" dirty="0"/>
+              <a:rPr lang="pt-BR" sz="2200" dirty="0"/>
               <a:t>Descobrir países com os quais o Brasil se relaciona economicamente</a:t>
+            </a:r>
+          </a:p>
+          <a:p>
+            <a:r>
+              <a:rPr lang="pt-BR" sz="2200" dirty="0"/>
+              <a:t>Controlar valores movimentados</a:t>
             </a:r>
           </a:p>
         </p:txBody>
@@ -3618,6 +4611,14 @@
 <file path=ppt/slides/slide3.xml><?xml version="1.0" encoding="utf-8"?>
 <p:sld xmlns:a="http://schemas.openxmlformats.org/drawingml/2006/main" xmlns:r="http://schemas.openxmlformats.org/officeDocument/2006/relationships" xmlns:p="http://schemas.openxmlformats.org/presentationml/2006/main">
   <p:cSld>
+    <p:bg>
+      <p:bgPr>
+        <a:solidFill>
+          <a:schemeClr val="bg1"/>
+        </a:solidFill>
+        <a:effectLst/>
+      </p:bgPr>
+    </p:bg>
     <p:spTree>
       <p:nvGrpSpPr>
         <p:cNvPr id="1" name=""/>
@@ -3632,6 +4633,66 @@
           <a:chExt cx="0" cy="0"/>
         </a:xfrm>
       </p:grpSpPr>
+      <p:sp useBgFill="1">
+        <p:nvSpPr>
+          <p:cNvPr id="10" name="Rectangle 9">
+            <a:extLst>
+              <a:ext uri="{FF2B5EF4-FFF2-40B4-BE49-F238E27FC236}">
+                <a16:creationId xmlns:a16="http://schemas.microsoft.com/office/drawing/2014/main" id="{2B97F24A-32CE-4C1C-A50D-3016B394DCFB}"/>
+              </a:ext>
+              <a:ext uri="{C183D7F6-B498-43B3-948B-1728B52AA6E4}">
+                <adec:decorative xmlns:adec="http://schemas.microsoft.com/office/drawing/2017/decorative" val="1"/>
+              </a:ext>
+            </a:extLst>
+          </p:cNvPr>
+          <p:cNvSpPr>
+            <a:spLocks noGrp="1" noRot="1" noChangeAspect="1" noMove="1" noResize="1" noEditPoints="1" noAdjustHandles="1" noChangeArrowheads="1" noChangeShapeType="1" noTextEdit="1"/>
+          </p:cNvSpPr>
+          <p:nvPr>
+            <p:extLst>
+              <p:ext uri="{386F3935-93C4-4BCD-93E2-E3B085C9AB24}">
+                <p16:designElem xmlns:p16="http://schemas.microsoft.com/office/powerpoint/2015/main" val="1"/>
+              </p:ext>
+            </p:extLst>
+          </p:nvPr>
+        </p:nvSpPr>
+        <p:spPr>
+          <a:xfrm>
+            <a:off x="0" y="0"/>
+            <a:ext cx="12192000" cy="6858000"/>
+          </a:xfrm>
+          <a:prstGeom prst="rect">
+            <a:avLst/>
+          </a:prstGeom>
+          <a:ln>
+            <a:noFill/>
+          </a:ln>
+        </p:spPr>
+        <p:style>
+          <a:lnRef idx="2">
+            <a:schemeClr val="accent1">
+              <a:shade val="50000"/>
+            </a:schemeClr>
+          </a:lnRef>
+          <a:fillRef idx="1">
+            <a:schemeClr val="accent1"/>
+          </a:fillRef>
+          <a:effectRef idx="0">
+            <a:schemeClr val="accent1"/>
+          </a:effectRef>
+          <a:fontRef idx="minor">
+            <a:schemeClr val="lt1"/>
+          </a:fontRef>
+        </p:style>
+        <p:txBody>
+          <a:bodyPr rtlCol="0" anchor="ctr"/>
+          <a:lstStyle/>
+          <a:p>
+            <a:pPr algn="ctr"/>
+            <a:endParaRPr lang="en-US"/>
+          </a:p>
+        </p:txBody>
+      </p:sp>
       <p:sp>
         <p:nvSpPr>
           <p:cNvPr id="2" name="Título 1">
@@ -3648,15 +4709,295 @@
             <p:ph type="title"/>
           </p:nvPr>
         </p:nvSpPr>
-        <p:spPr/>
-        <p:txBody>
-          <a:bodyPr/>
+        <p:spPr>
+          <a:xfrm>
+            <a:off x="630936" y="639520"/>
+            <a:ext cx="3429000" cy="1719072"/>
+          </a:xfrm>
+        </p:spPr>
+        <p:txBody>
+          <a:bodyPr anchor="b">
+            <a:normAutofit/>
+          </a:bodyPr>
           <a:lstStyle/>
           <a:p>
             <a:r>
-              <a:rPr lang="pt-BR" dirty="0"/>
-              <a:t>Sobre o grafo	</a:t>
-            </a:r>
+              <a:rPr lang="pt-BR" sz="4200"/>
+              <a:t>ODSs relacionadas	</a:t>
+            </a:r>
+          </a:p>
+        </p:txBody>
+      </p:sp>
+      <p:sp>
+        <p:nvSpPr>
+          <p:cNvPr id="12" name="sketch line">
+            <a:extLst>
+              <a:ext uri="{FF2B5EF4-FFF2-40B4-BE49-F238E27FC236}">
+                <a16:creationId xmlns:a16="http://schemas.microsoft.com/office/drawing/2014/main" id="{6357EC4F-235E-4222-A36F-C7878ACE37F2}"/>
+              </a:ext>
+              <a:ext uri="{C183D7F6-B498-43B3-948B-1728B52AA6E4}">
+                <adec:decorative xmlns:adec="http://schemas.microsoft.com/office/drawing/2017/decorative" val="1"/>
+              </a:ext>
+            </a:extLst>
+          </p:cNvPr>
+          <p:cNvSpPr>
+            <a:spLocks noGrp="1" noRot="1" noChangeAspect="1" noMove="1" noResize="1" noEditPoints="1" noAdjustHandles="1" noChangeArrowheads="1" noChangeShapeType="1" noTextEdit="1"/>
+          </p:cNvSpPr>
+          <p:nvPr>
+            <p:extLst>
+              <p:ext uri="{386F3935-93C4-4BCD-93E2-E3B085C9AB24}">
+                <p16:designElem xmlns:p16="http://schemas.microsoft.com/office/powerpoint/2015/main" val="1"/>
+              </p:ext>
+            </p:extLst>
+          </p:nvPr>
+        </p:nvSpPr>
+        <p:spPr>
+          <a:xfrm>
+            <a:off x="643278" y="2573756"/>
+            <a:ext cx="3255095" cy="18288"/>
+          </a:xfrm>
+          <a:custGeom>
+            <a:avLst/>
+            <a:gdLst>
+              <a:gd name="connsiteX0" fmla="*/ 0 w 3255095"/>
+              <a:gd name="connsiteY0" fmla="*/ 0 h 18288"/>
+              <a:gd name="connsiteX1" fmla="*/ 618468 w 3255095"/>
+              <a:gd name="connsiteY1" fmla="*/ 0 h 18288"/>
+              <a:gd name="connsiteX2" fmla="*/ 1269487 w 3255095"/>
+              <a:gd name="connsiteY2" fmla="*/ 0 h 18288"/>
+              <a:gd name="connsiteX3" fmla="*/ 1953057 w 3255095"/>
+              <a:gd name="connsiteY3" fmla="*/ 0 h 18288"/>
+              <a:gd name="connsiteX4" fmla="*/ 2636627 w 3255095"/>
+              <a:gd name="connsiteY4" fmla="*/ 0 h 18288"/>
+              <a:gd name="connsiteX5" fmla="*/ 3255095 w 3255095"/>
+              <a:gd name="connsiteY5" fmla="*/ 0 h 18288"/>
+              <a:gd name="connsiteX6" fmla="*/ 3255095 w 3255095"/>
+              <a:gd name="connsiteY6" fmla="*/ 18288 h 18288"/>
+              <a:gd name="connsiteX7" fmla="*/ 2538974 w 3255095"/>
+              <a:gd name="connsiteY7" fmla="*/ 18288 h 18288"/>
+              <a:gd name="connsiteX8" fmla="*/ 1822853 w 3255095"/>
+              <a:gd name="connsiteY8" fmla="*/ 18288 h 18288"/>
+              <a:gd name="connsiteX9" fmla="*/ 1171834 w 3255095"/>
+              <a:gd name="connsiteY9" fmla="*/ 18288 h 18288"/>
+              <a:gd name="connsiteX10" fmla="*/ 0 w 3255095"/>
+              <a:gd name="connsiteY10" fmla="*/ 18288 h 18288"/>
+              <a:gd name="connsiteX11" fmla="*/ 0 w 3255095"/>
+              <a:gd name="connsiteY11" fmla="*/ 0 h 18288"/>
+            </a:gdLst>
+            <a:ahLst/>
+            <a:cxnLst>
+              <a:cxn ang="0">
+                <a:pos x="connsiteX0" y="connsiteY0"/>
+              </a:cxn>
+              <a:cxn ang="0">
+                <a:pos x="connsiteX1" y="connsiteY1"/>
+              </a:cxn>
+              <a:cxn ang="0">
+                <a:pos x="connsiteX2" y="connsiteY2"/>
+              </a:cxn>
+              <a:cxn ang="0">
+                <a:pos x="connsiteX3" y="connsiteY3"/>
+              </a:cxn>
+              <a:cxn ang="0">
+                <a:pos x="connsiteX4" y="connsiteY4"/>
+              </a:cxn>
+              <a:cxn ang="0">
+                <a:pos x="connsiteX5" y="connsiteY5"/>
+              </a:cxn>
+              <a:cxn ang="0">
+                <a:pos x="connsiteX6" y="connsiteY6"/>
+              </a:cxn>
+              <a:cxn ang="0">
+                <a:pos x="connsiteX7" y="connsiteY7"/>
+              </a:cxn>
+              <a:cxn ang="0">
+                <a:pos x="connsiteX8" y="connsiteY8"/>
+              </a:cxn>
+              <a:cxn ang="0">
+                <a:pos x="connsiteX9" y="connsiteY9"/>
+              </a:cxn>
+              <a:cxn ang="0">
+                <a:pos x="connsiteX10" y="connsiteY10"/>
+              </a:cxn>
+              <a:cxn ang="0">
+                <a:pos x="connsiteX11" y="connsiteY11"/>
+              </a:cxn>
+            </a:cxnLst>
+            <a:rect l="l" t="t" r="r" b="b"/>
+            <a:pathLst>
+              <a:path w="3255095" h="18288" fill="none" extrusionOk="0">
+                <a:moveTo>
+                  <a:pt x="0" y="0"/>
+                </a:moveTo>
+                <a:cubicBezTo>
+                  <a:pt x="240201" y="-22123"/>
+                  <a:pt x="462021" y="-19623"/>
+                  <a:pt x="618468" y="0"/>
+                </a:cubicBezTo>
+                <a:cubicBezTo>
+                  <a:pt x="774915" y="19623"/>
+                  <a:pt x="974734" y="2035"/>
+                  <a:pt x="1269487" y="0"/>
+                </a:cubicBezTo>
+                <a:cubicBezTo>
+                  <a:pt x="1564240" y="-2035"/>
+                  <a:pt x="1733579" y="10639"/>
+                  <a:pt x="1953057" y="0"/>
+                </a:cubicBezTo>
+                <a:cubicBezTo>
+                  <a:pt x="2172535" y="-10639"/>
+                  <a:pt x="2453962" y="14018"/>
+                  <a:pt x="2636627" y="0"/>
+                </a:cubicBezTo>
+                <a:cubicBezTo>
+                  <a:pt x="2819292" y="-14018"/>
+                  <a:pt x="3121375" y="5399"/>
+                  <a:pt x="3255095" y="0"/>
+                </a:cubicBezTo>
+                <a:cubicBezTo>
+                  <a:pt x="3254386" y="8157"/>
+                  <a:pt x="3254682" y="12125"/>
+                  <a:pt x="3255095" y="18288"/>
+                </a:cubicBezTo>
+                <a:cubicBezTo>
+                  <a:pt x="3088545" y="23203"/>
+                  <a:pt x="2687475" y="7419"/>
+                  <a:pt x="2538974" y="18288"/>
+                </a:cubicBezTo>
+                <a:cubicBezTo>
+                  <a:pt x="2390473" y="29157"/>
+                  <a:pt x="2137381" y="-8959"/>
+                  <a:pt x="1822853" y="18288"/>
+                </a:cubicBezTo>
+                <a:cubicBezTo>
+                  <a:pt x="1508325" y="45535"/>
+                  <a:pt x="1466437" y="20385"/>
+                  <a:pt x="1171834" y="18288"/>
+                </a:cubicBezTo>
+                <a:cubicBezTo>
+                  <a:pt x="877231" y="16191"/>
+                  <a:pt x="561097" y="37643"/>
+                  <a:pt x="0" y="18288"/>
+                </a:cubicBezTo>
+                <a:cubicBezTo>
+                  <a:pt x="-46" y="12483"/>
+                  <a:pt x="-203" y="6491"/>
+                  <a:pt x="0" y="0"/>
+                </a:cubicBezTo>
+                <a:close/>
+              </a:path>
+              <a:path w="3255095" h="18288" stroke="0" extrusionOk="0">
+                <a:moveTo>
+                  <a:pt x="0" y="0"/>
+                </a:moveTo>
+                <a:cubicBezTo>
+                  <a:pt x="291965" y="19429"/>
+                  <a:pt x="363155" y="8568"/>
+                  <a:pt x="618468" y="0"/>
+                </a:cubicBezTo>
+                <a:cubicBezTo>
+                  <a:pt x="873781" y="-8568"/>
+                  <a:pt x="904459" y="-19505"/>
+                  <a:pt x="1171834" y="0"/>
+                </a:cubicBezTo>
+                <a:cubicBezTo>
+                  <a:pt x="1439209" y="19505"/>
+                  <a:pt x="1744369" y="9790"/>
+                  <a:pt x="1887955" y="0"/>
+                </a:cubicBezTo>
+                <a:cubicBezTo>
+                  <a:pt x="2031541" y="-9790"/>
+                  <a:pt x="2346378" y="21240"/>
+                  <a:pt x="2506423" y="0"/>
+                </a:cubicBezTo>
+                <a:cubicBezTo>
+                  <a:pt x="2666468" y="-21240"/>
+                  <a:pt x="2990257" y="30414"/>
+                  <a:pt x="3255095" y="0"/>
+                </a:cubicBezTo>
+                <a:cubicBezTo>
+                  <a:pt x="3254831" y="4493"/>
+                  <a:pt x="3255479" y="9472"/>
+                  <a:pt x="3255095" y="18288"/>
+                </a:cubicBezTo>
+                <a:cubicBezTo>
+                  <a:pt x="3120743" y="16690"/>
+                  <a:pt x="2759628" y="42462"/>
+                  <a:pt x="2604076" y="18288"/>
+                </a:cubicBezTo>
+                <a:cubicBezTo>
+                  <a:pt x="2448524" y="-5886"/>
+                  <a:pt x="2184336" y="19599"/>
+                  <a:pt x="1887955" y="18288"/>
+                </a:cubicBezTo>
+                <a:cubicBezTo>
+                  <a:pt x="1591574" y="16977"/>
+                  <a:pt x="1548845" y="6870"/>
+                  <a:pt x="1334589" y="18288"/>
+                </a:cubicBezTo>
+                <a:cubicBezTo>
+                  <a:pt x="1120333" y="29706"/>
+                  <a:pt x="996014" y="9662"/>
+                  <a:pt x="683570" y="18288"/>
+                </a:cubicBezTo>
+                <a:cubicBezTo>
+                  <a:pt x="371126" y="26914"/>
+                  <a:pt x="198687" y="16167"/>
+                  <a:pt x="0" y="18288"/>
+                </a:cubicBezTo>
+                <a:cubicBezTo>
+                  <a:pt x="843" y="9577"/>
+                  <a:pt x="371" y="6900"/>
+                  <a:pt x="0" y="0"/>
+                </a:cubicBezTo>
+                <a:close/>
+              </a:path>
+            </a:pathLst>
+          </a:custGeom>
+          <a:solidFill>
+            <a:schemeClr val="accent2"/>
+          </a:solidFill>
+          <a:ln w="38100" cap="rnd">
+            <a:solidFill>
+              <a:schemeClr val="accent2"/>
+            </a:solidFill>
+            <a:round/>
+            <a:extLst>
+              <a:ext uri="{C807C97D-BFC1-408E-A445-0C87EB9F89A2}">
+                <ask:lineSketchStyleProps xmlns:ask="http://schemas.microsoft.com/office/drawing/2018/sketchyshapes" sd="1219033472">
+                  <a:prstGeom prst="rect">
+                    <a:avLst/>
+                  </a:prstGeom>
+                  <ask:type>
+                    <ask:lineSketchFreehand/>
+                  </ask:type>
+                </ask:lineSketchStyleProps>
+              </a:ext>
+            </a:extLst>
+          </a:ln>
+        </p:spPr>
+        <p:style>
+          <a:lnRef idx="2">
+            <a:schemeClr val="accent1">
+              <a:shade val="50000"/>
+            </a:schemeClr>
+          </a:lnRef>
+          <a:fillRef idx="1">
+            <a:schemeClr val="accent1"/>
+          </a:fillRef>
+          <a:effectRef idx="0">
+            <a:schemeClr val="accent1"/>
+          </a:effectRef>
+          <a:fontRef idx="minor">
+            <a:schemeClr val="lt1"/>
+          </a:fontRef>
+        </p:style>
+        <p:txBody>
+          <a:bodyPr rtlCol="0" anchor="ctr"/>
+          <a:lstStyle/>
+          <a:p>
+            <a:pPr algn="ctr"/>
+            <a:endParaRPr lang="en-US"/>
           </a:p>
         </p:txBody>
       </p:sp>
@@ -3676,46 +5017,83 @@
             <p:ph idx="1"/>
           </p:nvPr>
         </p:nvSpPr>
-        <p:spPr/>
-        <p:txBody>
-          <a:bodyPr/>
+        <p:spPr>
+          <a:xfrm>
+            <a:off x="630936" y="2807208"/>
+            <a:ext cx="3429000" cy="3410712"/>
+          </a:xfrm>
+        </p:spPr>
+        <p:txBody>
+          <a:bodyPr anchor="t">
+            <a:normAutofit/>
+          </a:bodyPr>
           <a:lstStyle/>
           <a:p>
             <a:r>
-              <a:rPr lang="pt-BR" dirty="0"/>
-              <a:t>Grafo direcionado com peso nas arestas</a:t>
-            </a:r>
-          </a:p>
-          <a:p>
-            <a:r>
-              <a:rPr lang="pt-BR" dirty="0"/>
-              <a:t>Mostrar importações e exportações do Brasil com os outros países </a:t>
-            </a:r>
-          </a:p>
-          <a:p>
-            <a:r>
-              <a:rPr lang="pt-BR" dirty="0"/>
-              <a:t>Se usasse não direcionado seria apenas o balanço econômico</a:t>
-            </a:r>
-          </a:p>
-          <a:p>
-            <a:r>
-              <a:rPr lang="pt-BR" dirty="0"/>
-              <a:t>60 vértices</a:t>
-            </a:r>
-          </a:p>
-          <a:p>
-            <a:r>
-              <a:rPr lang="pt-BR" dirty="0"/>
-              <a:t>118 arestas</a:t>
-            </a:r>
-          </a:p>
-        </p:txBody>
-      </p:sp>
+              <a:rPr lang="pt-BR" sz="2000"/>
+              <a:t>ODS 1 - Erradicação da Pobreza</a:t>
+            </a:r>
+          </a:p>
+          <a:p>
+            <a:r>
+              <a:rPr lang="pt-BR" sz="2000"/>
+              <a:t>ODS 8 - Trabalho Decente e Crescimento Econômico</a:t>
+            </a:r>
+          </a:p>
+          <a:p>
+            <a:r>
+              <a:rPr lang="pt-BR" sz="2000"/>
+              <a:t>ODS 9 - Indústria, Inovação e Infraestrutura</a:t>
+            </a:r>
+          </a:p>
+          <a:p>
+            <a:r>
+              <a:rPr lang="pt-BR" sz="2000"/>
+              <a:t>ODS 12 - Consumo e Produção Responsáveis</a:t>
+            </a:r>
+          </a:p>
+          <a:p>
+            <a:r>
+              <a:rPr lang="pt-BR" sz="2000"/>
+              <a:t>ODS 17 - Parcerias para as Metas</a:t>
+            </a:r>
+          </a:p>
+        </p:txBody>
+      </p:sp>
+      <p:pic>
+        <p:nvPicPr>
+          <p:cNvPr id="5" name="Imagem 4">
+            <a:extLst>
+              <a:ext uri="{FF2B5EF4-FFF2-40B4-BE49-F238E27FC236}">
+                <a16:creationId xmlns:a16="http://schemas.microsoft.com/office/drawing/2014/main" id="{FD0D5F86-1523-3B73-A6E4-766B4DD734E6}"/>
+              </a:ext>
+            </a:extLst>
+          </p:cNvPr>
+          <p:cNvPicPr>
+            <a:picLocks noChangeAspect="1"/>
+          </p:cNvPicPr>
+          <p:nvPr/>
+        </p:nvPicPr>
+        <p:blipFill>
+          <a:blip r:embed="rId2"/>
+          <a:stretch>
+            <a:fillRect/>
+          </a:stretch>
+        </p:blipFill>
+        <p:spPr>
+          <a:xfrm>
+            <a:off x="4654296" y="1789367"/>
+            <a:ext cx="6903720" cy="3279266"/>
+          </a:xfrm>
+          <a:prstGeom prst="rect">
+            <a:avLst/>
+          </a:prstGeom>
+        </p:spPr>
+      </p:pic>
     </p:spTree>
     <p:extLst>
       <p:ext uri="{BB962C8B-B14F-4D97-AF65-F5344CB8AC3E}">
-        <p14:creationId xmlns:p14="http://schemas.microsoft.com/office/powerpoint/2010/main" val="1333649697"/>
+        <p14:creationId xmlns:p14="http://schemas.microsoft.com/office/powerpoint/2010/main" val="18955930"/>
       </p:ext>
     </p:extLst>
   </p:cSld>
@@ -3728,6 +5106,14 @@
 <file path=ppt/slides/slide4.xml><?xml version="1.0" encoding="utf-8"?>
 <p:sld xmlns:a="http://schemas.openxmlformats.org/drawingml/2006/main" xmlns:r="http://schemas.openxmlformats.org/officeDocument/2006/relationships" xmlns:p="http://schemas.openxmlformats.org/presentationml/2006/main">
   <p:cSld>
+    <p:bg>
+      <p:bgPr>
+        <a:solidFill>
+          <a:schemeClr val="bg1"/>
+        </a:solidFill>
+        <a:effectLst/>
+      </p:bgPr>
+    </p:bg>
     <p:spTree>
       <p:nvGrpSpPr>
         <p:cNvPr id="1" name=""/>
@@ -3742,39 +5128,1327 @@
           <a:chExt cx="0" cy="0"/>
         </a:xfrm>
       </p:grpSpPr>
-      <p:sp>
-        <p:nvSpPr>
-          <p:cNvPr id="2" name="Título 1">
-            <a:extLst>
-              <a:ext uri="{FF2B5EF4-FFF2-40B4-BE49-F238E27FC236}">
-                <a16:creationId xmlns:a16="http://schemas.microsoft.com/office/drawing/2014/main" id="{EAC5D98A-B207-0A5C-B761-D6C7C40AC15F}"/>
-              </a:ext>
-            </a:extLst>
-          </p:cNvPr>
-          <p:cNvSpPr>
-            <a:spLocks noGrp="1"/>
-          </p:cNvSpPr>
-          <p:nvPr>
-            <p:ph type="ctrTitle"/>
+      <p:sp useBgFill="1">
+        <p:nvSpPr>
+          <p:cNvPr id="9" name="Rectangle 8">
+            <a:extLst>
+              <a:ext uri="{FF2B5EF4-FFF2-40B4-BE49-F238E27FC236}">
+                <a16:creationId xmlns:a16="http://schemas.microsoft.com/office/drawing/2014/main" id="{2C61293E-6EBE-43EF-A52C-9BEBFD7679D4}"/>
+              </a:ext>
+              <a:ext uri="{C183D7F6-B498-43B3-948B-1728B52AA6E4}">
+                <adec:decorative xmlns:adec="http://schemas.microsoft.com/office/drawing/2017/decorative" val="1"/>
+              </a:ext>
+            </a:extLst>
+          </p:cNvPr>
+          <p:cNvSpPr>
+            <a:spLocks noGrp="1" noRot="1" noChangeAspect="1" noMove="1" noResize="1" noEditPoints="1" noAdjustHandles="1" noChangeArrowheads="1" noChangeShapeType="1" noTextEdit="1"/>
+          </p:cNvSpPr>
+          <p:nvPr>
+            <p:extLst>
+              <p:ext uri="{386F3935-93C4-4BCD-93E2-E3B085C9AB24}">
+                <p16:designElem xmlns:p16="http://schemas.microsoft.com/office/powerpoint/2015/main" val="1"/>
+              </p:ext>
+            </p:extLst>
           </p:nvPr>
         </p:nvSpPr>
         <p:spPr>
           <a:xfrm>
-            <a:off x="1524000" y="-1079662"/>
-            <a:ext cx="9144000" cy="2387600"/>
+            <a:off x="0" y="0"/>
+            <a:ext cx="12188952" cy="6858000"/>
+          </a:xfrm>
+          <a:prstGeom prst="rect">
+            <a:avLst/>
+          </a:prstGeom>
+          <a:ln>
+            <a:noFill/>
+          </a:ln>
+        </p:spPr>
+        <p:style>
+          <a:lnRef idx="2">
+            <a:schemeClr val="accent1">
+              <a:shade val="50000"/>
+            </a:schemeClr>
+          </a:lnRef>
+          <a:fillRef idx="1">
+            <a:schemeClr val="accent1"/>
+          </a:fillRef>
+          <a:effectRef idx="0">
+            <a:schemeClr val="accent1"/>
+          </a:effectRef>
+          <a:fontRef idx="minor">
+            <a:schemeClr val="lt1"/>
+          </a:fontRef>
+        </p:style>
+        <p:txBody>
+          <a:bodyPr rtlCol="0" anchor="ctr"/>
+          <a:lstStyle/>
+          <a:p>
+            <a:pPr algn="ctr"/>
+            <a:endParaRPr lang="en-US"/>
+          </a:p>
+        </p:txBody>
+      </p:sp>
+      <p:sp>
+        <p:nvSpPr>
+          <p:cNvPr id="2" name="Título 1">
+            <a:extLst>
+              <a:ext uri="{FF2B5EF4-FFF2-40B4-BE49-F238E27FC236}">
+                <a16:creationId xmlns:a16="http://schemas.microsoft.com/office/drawing/2014/main" id="{A9E45837-489D-5A41-499A-7EA17D0F353F}"/>
+              </a:ext>
+            </a:extLst>
+          </p:cNvPr>
+          <p:cNvSpPr>
+            <a:spLocks noGrp="1"/>
+          </p:cNvSpPr>
+          <p:nvPr>
+            <p:ph type="title"/>
+          </p:nvPr>
+        </p:nvSpPr>
+        <p:spPr>
+          <a:xfrm>
+            <a:off x="4654296" y="329184"/>
+            <a:ext cx="6894576" cy="1783080"/>
           </a:xfrm>
         </p:spPr>
         <p:txBody>
-          <a:bodyPr/>
+          <a:bodyPr anchor="b">
+            <a:normAutofit/>
+          </a:bodyPr>
           <a:lstStyle/>
           <a:p>
             <a:r>
-              <a:rPr lang="pt-BR" dirty="0"/>
+              <a:rPr lang="pt-BR" sz="5400"/>
+              <a:t>Sobre o grafo	</a:t>
+            </a:r>
+          </a:p>
+        </p:txBody>
+      </p:sp>
+      <p:pic>
+        <p:nvPicPr>
+          <p:cNvPr id="5" name="Picture 4" descr="Lupa mostrando declínio de desempenho">
+            <a:extLst>
+              <a:ext uri="{FF2B5EF4-FFF2-40B4-BE49-F238E27FC236}">
+                <a16:creationId xmlns:a16="http://schemas.microsoft.com/office/drawing/2014/main" id="{3C7CC4C3-1D5E-1A72-567B-01D253A723CF}"/>
+              </a:ext>
+            </a:extLst>
+          </p:cNvPr>
+          <p:cNvPicPr>
+            <a:picLocks noChangeAspect="1"/>
+          </p:cNvPicPr>
+          <p:nvPr/>
+        </p:nvPicPr>
+        <p:blipFill rotWithShape="1">
+          <a:blip r:embed="rId2"/>
+          <a:srcRect l="14996" r="45559" b="-2"/>
+          <a:stretch/>
+        </p:blipFill>
+        <p:spPr>
+          <a:xfrm>
+            <a:off x="20" y="1"/>
+            <a:ext cx="4052522" cy="6858000"/>
+          </a:xfrm>
+          <a:custGeom>
+            <a:avLst/>
+            <a:gdLst/>
+            <a:ahLst/>
+            <a:cxnLst/>
+            <a:rect l="l" t="t" r="r" b="b"/>
+            <a:pathLst>
+              <a:path w="4052542" h="6858000">
+                <a:moveTo>
+                  <a:pt x="0" y="0"/>
+                </a:moveTo>
+                <a:lnTo>
+                  <a:pt x="4020923" y="0"/>
+                </a:lnTo>
+                <a:lnTo>
+                  <a:pt x="4022656" y="14697"/>
+                </a:lnTo>
+                <a:cubicBezTo>
+                  <a:pt x="4037606" y="98462"/>
+                  <a:pt x="4035072" y="183369"/>
+                  <a:pt x="4039126" y="267642"/>
+                </a:cubicBezTo>
+                <a:cubicBezTo>
+                  <a:pt x="4043941" y="370699"/>
+                  <a:pt x="4037860" y="474136"/>
+                  <a:pt x="4035579" y="577446"/>
+                </a:cubicBezTo>
+                <a:cubicBezTo>
+                  <a:pt x="4033805" y="665399"/>
+                  <a:pt x="4025063" y="753226"/>
+                  <a:pt x="4027724" y="841306"/>
+                </a:cubicBezTo>
+                <a:cubicBezTo>
+                  <a:pt x="4027914" y="844352"/>
+                  <a:pt x="4027914" y="847398"/>
+                  <a:pt x="4027724" y="850444"/>
+                </a:cubicBezTo>
+                <a:cubicBezTo>
+                  <a:pt x="4019615" y="947281"/>
+                  <a:pt x="4019615" y="1044626"/>
+                  <a:pt x="4027724" y="1141464"/>
+                </a:cubicBezTo>
+                <a:cubicBezTo>
+                  <a:pt x="4030296" y="1181772"/>
+                  <a:pt x="4029574" y="1222221"/>
+                  <a:pt x="4025570" y="1262415"/>
+                </a:cubicBezTo>
+                <a:cubicBezTo>
+                  <a:pt x="4021769" y="1313563"/>
+                  <a:pt x="4009606" y="1365472"/>
+                  <a:pt x="4018348" y="1416238"/>
+                </a:cubicBezTo>
+                <a:cubicBezTo>
+                  <a:pt x="4024037" y="1458058"/>
+                  <a:pt x="4027166" y="1500194"/>
+                  <a:pt x="4027724" y="1542394"/>
+                </a:cubicBezTo>
+                <a:cubicBezTo>
+                  <a:pt x="4032158" y="1636820"/>
+                  <a:pt x="4027977" y="1731753"/>
+                  <a:pt x="4026330" y="1826433"/>
+                </a:cubicBezTo>
+                <a:cubicBezTo>
+                  <a:pt x="4024556" y="1936724"/>
+                  <a:pt x="4027344" y="2047015"/>
+                  <a:pt x="4018475" y="2157432"/>
+                </a:cubicBezTo>
+                <a:cubicBezTo>
+                  <a:pt x="4013597" y="2246629"/>
+                  <a:pt x="4013597" y="2336029"/>
+                  <a:pt x="4018475" y="2425226"/>
+                </a:cubicBezTo>
+                <a:cubicBezTo>
+                  <a:pt x="4020882" y="2506961"/>
+                  <a:pt x="4033172" y="2587934"/>
+                  <a:pt x="4031145" y="2670557"/>
+                </a:cubicBezTo>
+                <a:cubicBezTo>
+                  <a:pt x="4028737" y="2766886"/>
+                  <a:pt x="4017335" y="2862962"/>
+                  <a:pt x="4020882" y="2959546"/>
+                </a:cubicBezTo>
+                <a:cubicBezTo>
+                  <a:pt x="4022529" y="3005617"/>
+                  <a:pt x="4022656" y="3051688"/>
+                  <a:pt x="4023543" y="3097758"/>
+                </a:cubicBezTo>
+                <a:cubicBezTo>
+                  <a:pt x="4024683" y="3153221"/>
+                  <a:pt x="4034692" y="3208556"/>
+                  <a:pt x="4029117" y="3263892"/>
+                </a:cubicBezTo>
+                <a:cubicBezTo>
+                  <a:pt x="4019869" y="3356161"/>
+                  <a:pt x="3995923" y="3446906"/>
+                  <a:pt x="4010873" y="3541459"/>
+                </a:cubicBezTo>
+                <a:cubicBezTo>
+                  <a:pt x="4019108" y="3593495"/>
+                  <a:pt x="4028357" y="3645658"/>
+                  <a:pt x="4033172" y="3698201"/>
+                </a:cubicBezTo>
+                <a:cubicBezTo>
+                  <a:pt x="4037353" y="3745160"/>
+                  <a:pt x="4047868" y="3792881"/>
+                  <a:pt x="4039886" y="3839586"/>
+                </a:cubicBezTo>
+                <a:cubicBezTo>
+                  <a:pt x="4033045" y="3879565"/>
+                  <a:pt x="4036592" y="3919544"/>
+                  <a:pt x="4031271" y="3959523"/>
+                </a:cubicBezTo>
+                <a:cubicBezTo>
+                  <a:pt x="4024303" y="4011939"/>
+                  <a:pt x="4020629" y="4065244"/>
+                  <a:pt x="4015308" y="4118042"/>
+                </a:cubicBezTo>
+                <a:cubicBezTo>
+                  <a:pt x="4010620" y="4165889"/>
+                  <a:pt x="4006946" y="4213610"/>
+                  <a:pt x="4019615" y="4258539"/>
+                </a:cubicBezTo>
+                <a:cubicBezTo>
+                  <a:pt x="4050656" y="4371622"/>
+                  <a:pt x="4033679" y="4484070"/>
+                  <a:pt x="4022023" y="4596391"/>
+                </a:cubicBezTo>
+                <a:cubicBezTo>
+                  <a:pt x="4016321" y="4650965"/>
+                  <a:pt x="4007959" y="4708712"/>
+                  <a:pt x="4020629" y="4758718"/>
+                </a:cubicBezTo>
+                <a:cubicBezTo>
+                  <a:pt x="4043941" y="4847432"/>
+                  <a:pt x="4025697" y="4931705"/>
+                  <a:pt x="4015561" y="5016866"/>
+                </a:cubicBezTo>
+                <a:cubicBezTo>
+                  <a:pt x="4003335" y="5100174"/>
+                  <a:pt x="4005096" y="5184929"/>
+                  <a:pt x="4020756" y="5267654"/>
+                </a:cubicBezTo>
+                <a:cubicBezTo>
+                  <a:pt x="4033172" y="5326035"/>
+                  <a:pt x="4033172" y="5385432"/>
+                  <a:pt x="4034692" y="5444194"/>
+                </a:cubicBezTo>
+                <a:cubicBezTo>
+                  <a:pt x="4035579" y="5481001"/>
+                  <a:pt x="4022023" y="5518441"/>
+                  <a:pt x="4013027" y="5555120"/>
+                </a:cubicBezTo>
+                <a:cubicBezTo>
+                  <a:pt x="3996937" y="5621371"/>
+                  <a:pt x="3991109" y="5688636"/>
+                  <a:pt x="4013027" y="5753237"/>
+                </a:cubicBezTo>
+                <a:cubicBezTo>
+                  <a:pt x="4043561" y="5842713"/>
+                  <a:pt x="4061045" y="5932189"/>
+                  <a:pt x="4048375" y="6026870"/>
+                </a:cubicBezTo>
+                <a:cubicBezTo>
+                  <a:pt x="4041027" y="6085251"/>
+                  <a:pt x="4039380" y="6144902"/>
+                  <a:pt x="4028357" y="6202522"/>
+                </a:cubicBezTo>
+                <a:cubicBezTo>
+                  <a:pt x="4010240" y="6298091"/>
+                  <a:pt x="4016701" y="6393024"/>
+                  <a:pt x="4031145" y="6487196"/>
+                </a:cubicBezTo>
+                <a:cubicBezTo>
+                  <a:pt x="4041293" y="6565885"/>
+                  <a:pt x="4042395" y="6645474"/>
+                  <a:pt x="4034439" y="6724403"/>
+                </a:cubicBezTo>
+                <a:lnTo>
+                  <a:pt x="4025206" y="6858000"/>
+                </a:lnTo>
+                <a:lnTo>
+                  <a:pt x="0" y="6858000"/>
+                </a:lnTo>
+                <a:close/>
+              </a:path>
+            </a:pathLst>
+          </a:custGeom>
+        </p:spPr>
+      </p:pic>
+      <p:sp>
+        <p:nvSpPr>
+          <p:cNvPr id="11" name="sketchy line">
+            <a:extLst>
+              <a:ext uri="{FF2B5EF4-FFF2-40B4-BE49-F238E27FC236}">
+                <a16:creationId xmlns:a16="http://schemas.microsoft.com/office/drawing/2014/main" id="{3FCFB1DE-0B7E-48CC-BA90-B2AB0889F9D6}"/>
+              </a:ext>
+              <a:ext uri="{C183D7F6-B498-43B3-948B-1728B52AA6E4}">
+                <adec:decorative xmlns:adec="http://schemas.microsoft.com/office/drawing/2017/decorative" val="1"/>
+              </a:ext>
+            </a:extLst>
+          </p:cNvPr>
+          <p:cNvSpPr>
+            <a:spLocks noGrp="1" noRot="1" noChangeAspect="1" noMove="1" noResize="1" noEditPoints="1" noAdjustHandles="1" noChangeArrowheads="1" noChangeShapeType="1" noTextEdit="1"/>
+          </p:cNvSpPr>
+          <p:nvPr>
+            <p:extLst>
+              <p:ext uri="{386F3935-93C4-4BCD-93E2-E3B085C9AB24}">
+                <p16:designElem xmlns:p16="http://schemas.microsoft.com/office/powerpoint/2015/main" val="1"/>
+              </p:ext>
+            </p:extLst>
+          </p:nvPr>
+        </p:nvSpPr>
+        <p:spPr>
+          <a:xfrm>
+            <a:off x="4654296" y="2395728"/>
+            <a:ext cx="4243589" cy="18288"/>
+          </a:xfrm>
+          <a:custGeom>
+            <a:avLst/>
+            <a:gdLst>
+              <a:gd name="connsiteX0" fmla="*/ 0 w 4243589"/>
+              <a:gd name="connsiteY0" fmla="*/ 0 h 18288"/>
+              <a:gd name="connsiteX1" fmla="*/ 478919 w 4243589"/>
+              <a:gd name="connsiteY1" fmla="*/ 0 h 18288"/>
+              <a:gd name="connsiteX2" fmla="*/ 957839 w 4243589"/>
+              <a:gd name="connsiteY2" fmla="*/ 0 h 18288"/>
+              <a:gd name="connsiteX3" fmla="*/ 1521630 w 4243589"/>
+              <a:gd name="connsiteY3" fmla="*/ 0 h 18288"/>
+              <a:gd name="connsiteX4" fmla="*/ 2212729 w 4243589"/>
+              <a:gd name="connsiteY4" fmla="*/ 0 h 18288"/>
+              <a:gd name="connsiteX5" fmla="*/ 2734084 w 4243589"/>
+              <a:gd name="connsiteY5" fmla="*/ 0 h 18288"/>
+              <a:gd name="connsiteX6" fmla="*/ 3255439 w 4243589"/>
+              <a:gd name="connsiteY6" fmla="*/ 0 h 18288"/>
+              <a:gd name="connsiteX7" fmla="*/ 4243589 w 4243589"/>
+              <a:gd name="connsiteY7" fmla="*/ 0 h 18288"/>
+              <a:gd name="connsiteX8" fmla="*/ 4243589 w 4243589"/>
+              <a:gd name="connsiteY8" fmla="*/ 18288 h 18288"/>
+              <a:gd name="connsiteX9" fmla="*/ 3594926 w 4243589"/>
+              <a:gd name="connsiteY9" fmla="*/ 18288 h 18288"/>
+              <a:gd name="connsiteX10" fmla="*/ 3073571 w 4243589"/>
+              <a:gd name="connsiteY10" fmla="*/ 18288 h 18288"/>
+              <a:gd name="connsiteX11" fmla="*/ 2552216 w 4243589"/>
+              <a:gd name="connsiteY11" fmla="*/ 18288 h 18288"/>
+              <a:gd name="connsiteX12" fmla="*/ 1903553 w 4243589"/>
+              <a:gd name="connsiteY12" fmla="*/ 18288 h 18288"/>
+              <a:gd name="connsiteX13" fmla="*/ 1212454 w 4243589"/>
+              <a:gd name="connsiteY13" fmla="*/ 18288 h 18288"/>
+              <a:gd name="connsiteX14" fmla="*/ 733535 w 4243589"/>
+              <a:gd name="connsiteY14" fmla="*/ 18288 h 18288"/>
+              <a:gd name="connsiteX15" fmla="*/ 0 w 4243589"/>
+              <a:gd name="connsiteY15" fmla="*/ 18288 h 18288"/>
+              <a:gd name="connsiteX16" fmla="*/ 0 w 4243589"/>
+              <a:gd name="connsiteY16" fmla="*/ 0 h 18288"/>
+            </a:gdLst>
+            <a:ahLst/>
+            <a:cxnLst>
+              <a:cxn ang="0">
+                <a:pos x="connsiteX0" y="connsiteY0"/>
+              </a:cxn>
+              <a:cxn ang="0">
+                <a:pos x="connsiteX1" y="connsiteY1"/>
+              </a:cxn>
+              <a:cxn ang="0">
+                <a:pos x="connsiteX2" y="connsiteY2"/>
+              </a:cxn>
+              <a:cxn ang="0">
+                <a:pos x="connsiteX3" y="connsiteY3"/>
+              </a:cxn>
+              <a:cxn ang="0">
+                <a:pos x="connsiteX4" y="connsiteY4"/>
+              </a:cxn>
+              <a:cxn ang="0">
+                <a:pos x="connsiteX5" y="connsiteY5"/>
+              </a:cxn>
+              <a:cxn ang="0">
+                <a:pos x="connsiteX6" y="connsiteY6"/>
+              </a:cxn>
+              <a:cxn ang="0">
+                <a:pos x="connsiteX7" y="connsiteY7"/>
+              </a:cxn>
+              <a:cxn ang="0">
+                <a:pos x="connsiteX8" y="connsiteY8"/>
+              </a:cxn>
+              <a:cxn ang="0">
+                <a:pos x="connsiteX9" y="connsiteY9"/>
+              </a:cxn>
+              <a:cxn ang="0">
+                <a:pos x="connsiteX10" y="connsiteY10"/>
+              </a:cxn>
+              <a:cxn ang="0">
+                <a:pos x="connsiteX11" y="connsiteY11"/>
+              </a:cxn>
+              <a:cxn ang="0">
+                <a:pos x="connsiteX12" y="connsiteY12"/>
+              </a:cxn>
+              <a:cxn ang="0">
+                <a:pos x="connsiteX13" y="connsiteY13"/>
+              </a:cxn>
+              <a:cxn ang="0">
+                <a:pos x="connsiteX14" y="connsiteY14"/>
+              </a:cxn>
+              <a:cxn ang="0">
+                <a:pos x="connsiteX15" y="connsiteY15"/>
+              </a:cxn>
+              <a:cxn ang="0">
+                <a:pos x="connsiteX16" y="connsiteY16"/>
+              </a:cxn>
+            </a:cxnLst>
+            <a:rect l="l" t="t" r="r" b="b"/>
+            <a:pathLst>
+              <a:path w="4243589" h="18288" fill="none" extrusionOk="0">
+                <a:moveTo>
+                  <a:pt x="0" y="0"/>
+                </a:moveTo>
+                <a:cubicBezTo>
+                  <a:pt x="213395" y="-21006"/>
+                  <a:pt x="307421" y="-18116"/>
+                  <a:pt x="478919" y="0"/>
+                </a:cubicBezTo>
+                <a:cubicBezTo>
+                  <a:pt x="650417" y="18116"/>
+                  <a:pt x="831092" y="-21237"/>
+                  <a:pt x="957839" y="0"/>
+                </a:cubicBezTo>
+                <a:cubicBezTo>
+                  <a:pt x="1084586" y="21237"/>
+                  <a:pt x="1301682" y="25124"/>
+                  <a:pt x="1521630" y="0"/>
+                </a:cubicBezTo>
+                <a:cubicBezTo>
+                  <a:pt x="1741578" y="-25124"/>
+                  <a:pt x="1970269" y="-29139"/>
+                  <a:pt x="2212729" y="0"/>
+                </a:cubicBezTo>
+                <a:cubicBezTo>
+                  <a:pt x="2455189" y="29139"/>
+                  <a:pt x="2558847" y="-4796"/>
+                  <a:pt x="2734084" y="0"/>
+                </a:cubicBezTo>
+                <a:cubicBezTo>
+                  <a:pt x="2909321" y="4796"/>
+                  <a:pt x="3097217" y="-13409"/>
+                  <a:pt x="3255439" y="0"/>
+                </a:cubicBezTo>
+                <a:cubicBezTo>
+                  <a:pt x="3413662" y="13409"/>
+                  <a:pt x="3979999" y="-10121"/>
+                  <a:pt x="4243589" y="0"/>
+                </a:cubicBezTo>
+                <a:cubicBezTo>
+                  <a:pt x="4244484" y="8974"/>
+                  <a:pt x="4243043" y="9359"/>
+                  <a:pt x="4243589" y="18288"/>
+                </a:cubicBezTo>
+                <a:cubicBezTo>
+                  <a:pt x="4058777" y="31246"/>
+                  <a:pt x="3910348" y="3158"/>
+                  <a:pt x="3594926" y="18288"/>
+                </a:cubicBezTo>
+                <a:cubicBezTo>
+                  <a:pt x="3279504" y="33418"/>
+                  <a:pt x="3319955" y="-3977"/>
+                  <a:pt x="3073571" y="18288"/>
+                </a:cubicBezTo>
+                <a:cubicBezTo>
+                  <a:pt x="2827187" y="40553"/>
+                  <a:pt x="2767387" y="1863"/>
+                  <a:pt x="2552216" y="18288"/>
+                </a:cubicBezTo>
+                <a:cubicBezTo>
+                  <a:pt x="2337046" y="34713"/>
+                  <a:pt x="2181871" y="19527"/>
+                  <a:pt x="1903553" y="18288"/>
+                </a:cubicBezTo>
+                <a:cubicBezTo>
+                  <a:pt x="1625235" y="17049"/>
+                  <a:pt x="1557672" y="24174"/>
+                  <a:pt x="1212454" y="18288"/>
+                </a:cubicBezTo>
+                <a:cubicBezTo>
+                  <a:pt x="867236" y="12402"/>
+                  <a:pt x="874382" y="15627"/>
+                  <a:pt x="733535" y="18288"/>
+                </a:cubicBezTo>
+                <a:cubicBezTo>
+                  <a:pt x="592688" y="20949"/>
+                  <a:pt x="183477" y="14753"/>
+                  <a:pt x="0" y="18288"/>
+                </a:cubicBezTo>
+                <a:cubicBezTo>
+                  <a:pt x="-229" y="14222"/>
+                  <a:pt x="509" y="5816"/>
+                  <a:pt x="0" y="0"/>
+                </a:cubicBezTo>
+                <a:close/>
+              </a:path>
+              <a:path w="4243589" h="18288" stroke="0" extrusionOk="0">
+                <a:moveTo>
+                  <a:pt x="0" y="0"/>
+                </a:moveTo>
+                <a:cubicBezTo>
+                  <a:pt x="143690" y="16630"/>
+                  <a:pt x="266667" y="14847"/>
+                  <a:pt x="521355" y="0"/>
+                </a:cubicBezTo>
+                <a:cubicBezTo>
+                  <a:pt x="776043" y="-14847"/>
+                  <a:pt x="814491" y="-17363"/>
+                  <a:pt x="1000275" y="0"/>
+                </a:cubicBezTo>
+                <a:cubicBezTo>
+                  <a:pt x="1186059" y="17363"/>
+                  <a:pt x="1352504" y="-23507"/>
+                  <a:pt x="1521630" y="0"/>
+                </a:cubicBezTo>
+                <a:cubicBezTo>
+                  <a:pt x="1690756" y="23507"/>
+                  <a:pt x="1889525" y="5871"/>
+                  <a:pt x="2127857" y="0"/>
+                </a:cubicBezTo>
+                <a:cubicBezTo>
+                  <a:pt x="2366189" y="-5871"/>
+                  <a:pt x="2620628" y="-27997"/>
+                  <a:pt x="2776520" y="0"/>
+                </a:cubicBezTo>
+                <a:cubicBezTo>
+                  <a:pt x="2932412" y="27997"/>
+                  <a:pt x="3131683" y="-25073"/>
+                  <a:pt x="3467618" y="0"/>
+                </a:cubicBezTo>
+                <a:cubicBezTo>
+                  <a:pt x="3803553" y="25073"/>
+                  <a:pt x="4017371" y="3071"/>
+                  <a:pt x="4243589" y="0"/>
+                </a:cubicBezTo>
+                <a:cubicBezTo>
+                  <a:pt x="4243134" y="6162"/>
+                  <a:pt x="4243492" y="11775"/>
+                  <a:pt x="4243589" y="18288"/>
+                </a:cubicBezTo>
+                <a:cubicBezTo>
+                  <a:pt x="4017834" y="-5779"/>
+                  <a:pt x="3834586" y="13376"/>
+                  <a:pt x="3594926" y="18288"/>
+                </a:cubicBezTo>
+                <a:cubicBezTo>
+                  <a:pt x="3355266" y="23200"/>
+                  <a:pt x="3204179" y="2869"/>
+                  <a:pt x="2903827" y="18288"/>
+                </a:cubicBezTo>
+                <a:cubicBezTo>
+                  <a:pt x="2603475" y="33707"/>
+                  <a:pt x="2526187" y="46187"/>
+                  <a:pt x="2212729" y="18288"/>
+                </a:cubicBezTo>
+                <a:cubicBezTo>
+                  <a:pt x="1899271" y="-9611"/>
+                  <a:pt x="1966289" y="29692"/>
+                  <a:pt x="1733809" y="18288"/>
+                </a:cubicBezTo>
+                <a:cubicBezTo>
+                  <a:pt x="1501329" y="6884"/>
+                  <a:pt x="1343612" y="12492"/>
+                  <a:pt x="1085146" y="18288"/>
+                </a:cubicBezTo>
+                <a:cubicBezTo>
+                  <a:pt x="826680" y="24084"/>
+                  <a:pt x="778184" y="35607"/>
+                  <a:pt x="521355" y="18288"/>
+                </a:cubicBezTo>
+                <a:cubicBezTo>
+                  <a:pt x="264526" y="969"/>
+                  <a:pt x="120277" y="4268"/>
+                  <a:pt x="0" y="18288"/>
+                </a:cubicBezTo>
+                <a:cubicBezTo>
+                  <a:pt x="766" y="10800"/>
+                  <a:pt x="-457" y="8180"/>
+                  <a:pt x="0" y="0"/>
+                </a:cubicBezTo>
+                <a:close/>
+              </a:path>
+            </a:pathLst>
+          </a:custGeom>
+          <a:solidFill>
+            <a:schemeClr val="accent2"/>
+          </a:solidFill>
+          <a:ln w="44450" cap="rnd">
+            <a:solidFill>
+              <a:schemeClr val="accent2"/>
+            </a:solidFill>
+            <a:round/>
+            <a:extLst>
+              <a:ext uri="{C807C97D-BFC1-408E-A445-0C87EB9F89A2}">
+                <ask:lineSketchStyleProps xmlns:ask="http://schemas.microsoft.com/office/drawing/2018/sketchyshapes" sd="2727557108">
+                  <a:prstGeom prst="rect">
+                    <a:avLst/>
+                  </a:prstGeom>
+                  <ask:type>
+                    <ask:lineSketchFreehand/>
+                  </ask:type>
+                </ask:lineSketchStyleProps>
+              </a:ext>
+            </a:extLst>
+          </a:ln>
+        </p:spPr>
+        <p:style>
+          <a:lnRef idx="2">
+            <a:schemeClr val="accent1">
+              <a:shade val="50000"/>
+            </a:schemeClr>
+          </a:lnRef>
+          <a:fillRef idx="1">
+            <a:schemeClr val="accent1"/>
+          </a:fillRef>
+          <a:effectRef idx="0">
+            <a:schemeClr val="accent1"/>
+          </a:effectRef>
+          <a:fontRef idx="minor">
+            <a:schemeClr val="lt1"/>
+          </a:fontRef>
+        </p:style>
+        <p:txBody>
+          <a:bodyPr rtlCol="0" anchor="ctr"/>
+          <a:lstStyle/>
+          <a:p>
+            <a:pPr algn="ctr"/>
+            <a:endParaRPr lang="en-US"/>
+          </a:p>
+        </p:txBody>
+      </p:sp>
+      <p:sp>
+        <p:nvSpPr>
+          <p:cNvPr id="3" name="Espaço Reservado para Conteúdo 2">
+            <a:extLst>
+              <a:ext uri="{FF2B5EF4-FFF2-40B4-BE49-F238E27FC236}">
+                <a16:creationId xmlns:a16="http://schemas.microsoft.com/office/drawing/2014/main" id="{B6B804C7-A5F3-07C0-646B-D33E06296A48}"/>
+              </a:ext>
+            </a:extLst>
+          </p:cNvPr>
+          <p:cNvSpPr>
+            <a:spLocks noGrp="1"/>
+          </p:cNvSpPr>
+          <p:nvPr>
+            <p:ph idx="1"/>
+          </p:nvPr>
+        </p:nvSpPr>
+        <p:spPr>
+          <a:xfrm>
+            <a:off x="4654296" y="2706624"/>
+            <a:ext cx="6894576" cy="3483864"/>
+          </a:xfrm>
+        </p:spPr>
+        <p:txBody>
+          <a:bodyPr>
+            <a:normAutofit/>
+          </a:bodyPr>
+          <a:lstStyle/>
+          <a:p>
+            <a:r>
+              <a:rPr lang="pt-BR" sz="2200"/>
+              <a:t>Grafo direcionado com peso nas arestas</a:t>
+            </a:r>
+          </a:p>
+          <a:p>
+            <a:r>
+              <a:rPr lang="pt-BR" sz="2200"/>
+              <a:t>Mostrar importações e exportações do Brasil com os outros países </a:t>
+            </a:r>
+          </a:p>
+          <a:p>
+            <a:r>
+              <a:rPr lang="pt-BR" sz="2200"/>
+              <a:t>Se usasse não direcionado seria apenas o balanço econômico</a:t>
+            </a:r>
+          </a:p>
+          <a:p>
+            <a:r>
+              <a:rPr lang="pt-BR" sz="2200"/>
+              <a:t>60 vértices</a:t>
+            </a:r>
+          </a:p>
+          <a:p>
+            <a:r>
+              <a:rPr lang="pt-BR" sz="2200"/>
+              <a:t>118 arestas</a:t>
+            </a:r>
+          </a:p>
+          <a:p>
+            <a:r>
+              <a:rPr lang="pt-BR" sz="2200"/>
+              <a:t>Uso de lista de adjacência para consumir menos memoria</a:t>
+            </a:r>
+          </a:p>
+        </p:txBody>
+      </p:sp>
+    </p:spTree>
+    <p:extLst>
+      <p:ext uri="{BB962C8B-B14F-4D97-AF65-F5344CB8AC3E}">
+        <p14:creationId xmlns:p14="http://schemas.microsoft.com/office/powerpoint/2010/main" val="1333649697"/>
+      </p:ext>
+    </p:extLst>
+  </p:cSld>
+  <p:clrMapOvr>
+    <a:masterClrMapping/>
+  </p:clrMapOvr>
+</p:sld>
+</file>
+
+<file path=ppt/slides/slide5.xml><?xml version="1.0" encoding="utf-8"?>
+<p:sld xmlns:a="http://schemas.openxmlformats.org/drawingml/2006/main" xmlns:r="http://schemas.openxmlformats.org/officeDocument/2006/relationships" xmlns:p="http://schemas.openxmlformats.org/presentationml/2006/main">
+  <p:cSld>
+    <p:bg>
+      <p:bgPr>
+        <a:solidFill>
+          <a:schemeClr val="bg1"/>
+        </a:solidFill>
+        <a:effectLst/>
+      </p:bgPr>
+    </p:bg>
+    <p:spTree>
+      <p:nvGrpSpPr>
+        <p:cNvPr id="1" name=""/>
+        <p:cNvGrpSpPr/>
+        <p:nvPr/>
+      </p:nvGrpSpPr>
+      <p:grpSpPr>
+        <a:xfrm>
+          <a:off x="0" y="0"/>
+          <a:ext cx="0" cy="0"/>
+          <a:chOff x="0" y="0"/>
+          <a:chExt cx="0" cy="0"/>
+        </a:xfrm>
+      </p:grpSpPr>
+      <p:sp useBgFill="1">
+        <p:nvSpPr>
+          <p:cNvPr id="38" name="Rectangle 37">
+            <a:extLst>
+              <a:ext uri="{FF2B5EF4-FFF2-40B4-BE49-F238E27FC236}">
+                <a16:creationId xmlns:a16="http://schemas.microsoft.com/office/drawing/2014/main" id="{7C98A213-5994-475E-B327-DC6EC27FBA8B}"/>
+              </a:ext>
+              <a:ext uri="{C183D7F6-B498-43B3-948B-1728B52AA6E4}">
+                <adec:decorative xmlns:adec="http://schemas.microsoft.com/office/drawing/2017/decorative" val="1"/>
+              </a:ext>
+            </a:extLst>
+          </p:cNvPr>
+          <p:cNvSpPr>
+            <a:spLocks noGrp="1" noRot="1" noChangeAspect="1" noMove="1" noResize="1" noEditPoints="1" noAdjustHandles="1" noChangeArrowheads="1" noChangeShapeType="1" noTextEdit="1"/>
+          </p:cNvSpPr>
+          <p:nvPr>
+            <p:extLst>
+              <p:ext uri="{386F3935-93C4-4BCD-93E2-E3B085C9AB24}">
+                <p16:designElem xmlns:p16="http://schemas.microsoft.com/office/powerpoint/2015/main" val="1"/>
+              </p:ext>
+            </p:extLst>
+          </p:nvPr>
+        </p:nvSpPr>
+        <p:spPr>
+          <a:xfrm>
+            <a:off x="0" y="0"/>
+            <a:ext cx="12188952" cy="6858000"/>
+          </a:xfrm>
+          <a:prstGeom prst="rect">
+            <a:avLst/>
+          </a:prstGeom>
+          <a:ln>
+            <a:noFill/>
+          </a:ln>
+        </p:spPr>
+        <p:style>
+          <a:lnRef idx="2">
+            <a:schemeClr val="accent1">
+              <a:shade val="50000"/>
+            </a:schemeClr>
+          </a:lnRef>
+          <a:fillRef idx="1">
+            <a:schemeClr val="accent1"/>
+          </a:fillRef>
+          <a:effectRef idx="0">
+            <a:schemeClr val="accent1"/>
+          </a:effectRef>
+          <a:fontRef idx="minor">
+            <a:schemeClr val="lt1"/>
+          </a:fontRef>
+        </p:style>
+        <p:txBody>
+          <a:bodyPr rtlCol="0" anchor="ctr"/>
+          <a:lstStyle/>
+          <a:p>
+            <a:pPr algn="ctr"/>
+            <a:endParaRPr lang="en-US"/>
+          </a:p>
+        </p:txBody>
+      </p:sp>
+      <p:sp>
+        <p:nvSpPr>
+          <p:cNvPr id="2" name="Título 1">
+            <a:extLst>
+              <a:ext uri="{FF2B5EF4-FFF2-40B4-BE49-F238E27FC236}">
+                <a16:creationId xmlns:a16="http://schemas.microsoft.com/office/drawing/2014/main" id="{EAC5D98A-B207-0A5C-B761-D6C7C40AC15F}"/>
+              </a:ext>
+            </a:extLst>
+          </p:cNvPr>
+          <p:cNvSpPr>
+            <a:spLocks noGrp="1"/>
+          </p:cNvSpPr>
+          <p:nvPr>
+            <p:ph type="ctrTitle"/>
+          </p:nvPr>
+        </p:nvSpPr>
+        <p:spPr>
+          <a:xfrm>
+            <a:off x="638881" y="670218"/>
+            <a:ext cx="10909640" cy="1065836"/>
+          </a:xfrm>
+        </p:spPr>
+        <p:txBody>
+          <a:bodyPr anchor="ctr">
+            <a:normAutofit/>
+          </a:bodyPr>
+          <a:lstStyle/>
+          <a:p>
+            <a:r>
+              <a:rPr lang="pt-BR" sz="6600" dirty="0"/>
               <a:t>Modelagem</a:t>
             </a:r>
           </a:p>
         </p:txBody>
       </p:sp>
+      <p:sp>
+        <p:nvSpPr>
+          <p:cNvPr id="40" name="sketch line">
+            <a:extLst>
+              <a:ext uri="{FF2B5EF4-FFF2-40B4-BE49-F238E27FC236}">
+                <a16:creationId xmlns:a16="http://schemas.microsoft.com/office/drawing/2014/main" id="{4B030A0D-0DAD-4A99-89BB-419527D6A64B}"/>
+              </a:ext>
+              <a:ext uri="{C183D7F6-B498-43B3-948B-1728B52AA6E4}">
+                <adec:decorative xmlns:adec="http://schemas.microsoft.com/office/drawing/2017/decorative" val="1"/>
+              </a:ext>
+            </a:extLst>
+          </p:cNvPr>
+          <p:cNvSpPr>
+            <a:spLocks noGrp="1" noRot="1" noChangeAspect="1" noMove="1" noResize="1" noEditPoints="1" noAdjustHandles="1" noChangeArrowheads="1" noChangeShapeType="1" noTextEdit="1"/>
+          </p:cNvSpPr>
+          <p:nvPr>
+            <p:extLst>
+              <p:ext uri="{386F3935-93C4-4BCD-93E2-E3B085C9AB24}">
+                <p16:designElem xmlns:p16="http://schemas.microsoft.com/office/powerpoint/2015/main" val="1"/>
+              </p:ext>
+            </p:extLst>
+          </p:nvPr>
+        </p:nvSpPr>
+        <p:spPr>
+          <a:xfrm>
+            <a:off x="3389376" y="1800088"/>
+            <a:ext cx="5410200" cy="18288"/>
+          </a:xfrm>
+          <a:custGeom>
+            <a:avLst/>
+            <a:gdLst>
+              <a:gd name="connsiteX0" fmla="*/ 0 w 5410200"/>
+              <a:gd name="connsiteY0" fmla="*/ 0 h 18288"/>
+              <a:gd name="connsiteX1" fmla="*/ 568071 w 5410200"/>
+              <a:gd name="connsiteY1" fmla="*/ 0 h 18288"/>
+              <a:gd name="connsiteX2" fmla="*/ 1298448 w 5410200"/>
+              <a:gd name="connsiteY2" fmla="*/ 0 h 18288"/>
+              <a:gd name="connsiteX3" fmla="*/ 1920621 w 5410200"/>
+              <a:gd name="connsiteY3" fmla="*/ 0 h 18288"/>
+              <a:gd name="connsiteX4" fmla="*/ 2488692 w 5410200"/>
+              <a:gd name="connsiteY4" fmla="*/ 0 h 18288"/>
+              <a:gd name="connsiteX5" fmla="*/ 3219069 w 5410200"/>
+              <a:gd name="connsiteY5" fmla="*/ 0 h 18288"/>
+              <a:gd name="connsiteX6" fmla="*/ 3895344 w 5410200"/>
+              <a:gd name="connsiteY6" fmla="*/ 0 h 18288"/>
+              <a:gd name="connsiteX7" fmla="*/ 4571619 w 5410200"/>
+              <a:gd name="connsiteY7" fmla="*/ 0 h 18288"/>
+              <a:gd name="connsiteX8" fmla="*/ 5410200 w 5410200"/>
+              <a:gd name="connsiteY8" fmla="*/ 0 h 18288"/>
+              <a:gd name="connsiteX9" fmla="*/ 5410200 w 5410200"/>
+              <a:gd name="connsiteY9" fmla="*/ 18288 h 18288"/>
+              <a:gd name="connsiteX10" fmla="*/ 4842129 w 5410200"/>
+              <a:gd name="connsiteY10" fmla="*/ 18288 h 18288"/>
+              <a:gd name="connsiteX11" fmla="*/ 4328160 w 5410200"/>
+              <a:gd name="connsiteY11" fmla="*/ 18288 h 18288"/>
+              <a:gd name="connsiteX12" fmla="*/ 3597783 w 5410200"/>
+              <a:gd name="connsiteY12" fmla="*/ 18288 h 18288"/>
+              <a:gd name="connsiteX13" fmla="*/ 3029712 w 5410200"/>
+              <a:gd name="connsiteY13" fmla="*/ 18288 h 18288"/>
+              <a:gd name="connsiteX14" fmla="*/ 2299335 w 5410200"/>
+              <a:gd name="connsiteY14" fmla="*/ 18288 h 18288"/>
+              <a:gd name="connsiteX15" fmla="*/ 1514856 w 5410200"/>
+              <a:gd name="connsiteY15" fmla="*/ 18288 h 18288"/>
+              <a:gd name="connsiteX16" fmla="*/ 892683 w 5410200"/>
+              <a:gd name="connsiteY16" fmla="*/ 18288 h 18288"/>
+              <a:gd name="connsiteX17" fmla="*/ 0 w 5410200"/>
+              <a:gd name="connsiteY17" fmla="*/ 18288 h 18288"/>
+              <a:gd name="connsiteX18" fmla="*/ 0 w 5410200"/>
+              <a:gd name="connsiteY18" fmla="*/ 0 h 18288"/>
+            </a:gdLst>
+            <a:ahLst/>
+            <a:cxnLst>
+              <a:cxn ang="0">
+                <a:pos x="connsiteX0" y="connsiteY0"/>
+              </a:cxn>
+              <a:cxn ang="0">
+                <a:pos x="connsiteX1" y="connsiteY1"/>
+              </a:cxn>
+              <a:cxn ang="0">
+                <a:pos x="connsiteX2" y="connsiteY2"/>
+              </a:cxn>
+              <a:cxn ang="0">
+                <a:pos x="connsiteX3" y="connsiteY3"/>
+              </a:cxn>
+              <a:cxn ang="0">
+                <a:pos x="connsiteX4" y="connsiteY4"/>
+              </a:cxn>
+              <a:cxn ang="0">
+                <a:pos x="connsiteX5" y="connsiteY5"/>
+              </a:cxn>
+              <a:cxn ang="0">
+                <a:pos x="connsiteX6" y="connsiteY6"/>
+              </a:cxn>
+              <a:cxn ang="0">
+                <a:pos x="connsiteX7" y="connsiteY7"/>
+              </a:cxn>
+              <a:cxn ang="0">
+                <a:pos x="connsiteX8" y="connsiteY8"/>
+              </a:cxn>
+              <a:cxn ang="0">
+                <a:pos x="connsiteX9" y="connsiteY9"/>
+              </a:cxn>
+              <a:cxn ang="0">
+                <a:pos x="connsiteX10" y="connsiteY10"/>
+              </a:cxn>
+              <a:cxn ang="0">
+                <a:pos x="connsiteX11" y="connsiteY11"/>
+              </a:cxn>
+              <a:cxn ang="0">
+                <a:pos x="connsiteX12" y="connsiteY12"/>
+              </a:cxn>
+              <a:cxn ang="0">
+                <a:pos x="connsiteX13" y="connsiteY13"/>
+              </a:cxn>
+              <a:cxn ang="0">
+                <a:pos x="connsiteX14" y="connsiteY14"/>
+              </a:cxn>
+              <a:cxn ang="0">
+                <a:pos x="connsiteX15" y="connsiteY15"/>
+              </a:cxn>
+              <a:cxn ang="0">
+                <a:pos x="connsiteX16" y="connsiteY16"/>
+              </a:cxn>
+              <a:cxn ang="0">
+                <a:pos x="connsiteX17" y="connsiteY17"/>
+              </a:cxn>
+              <a:cxn ang="0">
+                <a:pos x="connsiteX18" y="connsiteY18"/>
+              </a:cxn>
+            </a:cxnLst>
+            <a:rect l="l" t="t" r="r" b="b"/>
+            <a:pathLst>
+              <a:path w="5410200" h="18288" fill="none" extrusionOk="0">
+                <a:moveTo>
+                  <a:pt x="0" y="0"/>
+                </a:moveTo>
+                <a:cubicBezTo>
+                  <a:pt x="163050" y="-18707"/>
+                  <a:pt x="319321" y="-16364"/>
+                  <a:pt x="568071" y="0"/>
+                </a:cubicBezTo>
+                <a:cubicBezTo>
+                  <a:pt x="816821" y="16364"/>
+                  <a:pt x="1013224" y="-7268"/>
+                  <a:pt x="1298448" y="0"/>
+                </a:cubicBezTo>
+                <a:cubicBezTo>
+                  <a:pt x="1583672" y="7268"/>
+                  <a:pt x="1631711" y="-3367"/>
+                  <a:pt x="1920621" y="0"/>
+                </a:cubicBezTo>
+                <a:cubicBezTo>
+                  <a:pt x="2209531" y="3367"/>
+                  <a:pt x="2364420" y="-19184"/>
+                  <a:pt x="2488692" y="0"/>
+                </a:cubicBezTo>
+                <a:cubicBezTo>
+                  <a:pt x="2612964" y="19184"/>
+                  <a:pt x="3023298" y="-34627"/>
+                  <a:pt x="3219069" y="0"/>
+                </a:cubicBezTo>
+                <a:cubicBezTo>
+                  <a:pt x="3414840" y="34627"/>
+                  <a:pt x="3656810" y="24043"/>
+                  <a:pt x="3895344" y="0"/>
+                </a:cubicBezTo>
+                <a:cubicBezTo>
+                  <a:pt x="4133879" y="-24043"/>
+                  <a:pt x="4393984" y="-19577"/>
+                  <a:pt x="4571619" y="0"/>
+                </a:cubicBezTo>
+                <a:cubicBezTo>
+                  <a:pt x="4749255" y="19577"/>
+                  <a:pt x="5179928" y="-6281"/>
+                  <a:pt x="5410200" y="0"/>
+                </a:cubicBezTo>
+                <a:cubicBezTo>
+                  <a:pt x="5410730" y="6954"/>
+                  <a:pt x="5410934" y="12839"/>
+                  <a:pt x="5410200" y="18288"/>
+                </a:cubicBezTo>
+                <a:cubicBezTo>
+                  <a:pt x="5139060" y="6751"/>
+                  <a:pt x="5121593" y="31035"/>
+                  <a:pt x="4842129" y="18288"/>
+                </a:cubicBezTo>
+                <a:cubicBezTo>
+                  <a:pt x="4562665" y="5541"/>
+                  <a:pt x="4448273" y="9487"/>
+                  <a:pt x="4328160" y="18288"/>
+                </a:cubicBezTo>
+                <a:cubicBezTo>
+                  <a:pt x="4208047" y="27089"/>
+                  <a:pt x="3760936" y="22567"/>
+                  <a:pt x="3597783" y="18288"/>
+                </a:cubicBezTo>
+                <a:cubicBezTo>
+                  <a:pt x="3434630" y="14009"/>
+                  <a:pt x="3299718" y="33213"/>
+                  <a:pt x="3029712" y="18288"/>
+                </a:cubicBezTo>
+                <a:cubicBezTo>
+                  <a:pt x="2759706" y="3363"/>
+                  <a:pt x="2640159" y="27394"/>
+                  <a:pt x="2299335" y="18288"/>
+                </a:cubicBezTo>
+                <a:cubicBezTo>
+                  <a:pt x="1958511" y="9182"/>
+                  <a:pt x="1801186" y="28985"/>
+                  <a:pt x="1514856" y="18288"/>
+                </a:cubicBezTo>
+                <a:cubicBezTo>
+                  <a:pt x="1228526" y="7591"/>
+                  <a:pt x="1063509" y="-5305"/>
+                  <a:pt x="892683" y="18288"/>
+                </a:cubicBezTo>
+                <a:cubicBezTo>
+                  <a:pt x="721857" y="41881"/>
+                  <a:pt x="186945" y="-20897"/>
+                  <a:pt x="0" y="18288"/>
+                </a:cubicBezTo>
+                <a:cubicBezTo>
+                  <a:pt x="-570" y="9279"/>
+                  <a:pt x="132" y="5100"/>
+                  <a:pt x="0" y="0"/>
+                </a:cubicBezTo>
+                <a:close/>
+              </a:path>
+              <a:path w="5410200" h="18288" stroke="0" extrusionOk="0">
+                <a:moveTo>
+                  <a:pt x="0" y="0"/>
+                </a:moveTo>
+                <a:cubicBezTo>
+                  <a:pt x="285096" y="-4925"/>
+                  <a:pt x="376456" y="22268"/>
+                  <a:pt x="622173" y="0"/>
+                </a:cubicBezTo>
+                <a:cubicBezTo>
+                  <a:pt x="867890" y="-22268"/>
+                  <a:pt x="1031392" y="7228"/>
+                  <a:pt x="1136142" y="0"/>
+                </a:cubicBezTo>
+                <a:cubicBezTo>
+                  <a:pt x="1240892" y="-7228"/>
+                  <a:pt x="1561853" y="9877"/>
+                  <a:pt x="1920621" y="0"/>
+                </a:cubicBezTo>
+                <a:cubicBezTo>
+                  <a:pt x="2279389" y="-9877"/>
+                  <a:pt x="2367255" y="19546"/>
+                  <a:pt x="2542794" y="0"/>
+                </a:cubicBezTo>
+                <a:cubicBezTo>
+                  <a:pt x="2718333" y="-19546"/>
+                  <a:pt x="2866732" y="-22226"/>
+                  <a:pt x="3164967" y="0"/>
+                </a:cubicBezTo>
+                <a:cubicBezTo>
+                  <a:pt x="3463202" y="22226"/>
+                  <a:pt x="3568055" y="-2765"/>
+                  <a:pt x="3949446" y="0"/>
+                </a:cubicBezTo>
+                <a:cubicBezTo>
+                  <a:pt x="4330837" y="2765"/>
+                  <a:pt x="4287895" y="10557"/>
+                  <a:pt x="4517517" y="0"/>
+                </a:cubicBezTo>
+                <a:cubicBezTo>
+                  <a:pt x="4747139" y="-10557"/>
+                  <a:pt x="5149588" y="8716"/>
+                  <a:pt x="5410200" y="0"/>
+                </a:cubicBezTo>
+                <a:cubicBezTo>
+                  <a:pt x="5409517" y="5414"/>
+                  <a:pt x="5409480" y="12510"/>
+                  <a:pt x="5410200" y="18288"/>
+                </a:cubicBezTo>
+                <a:cubicBezTo>
+                  <a:pt x="5163327" y="41494"/>
+                  <a:pt x="5008749" y="10693"/>
+                  <a:pt x="4842129" y="18288"/>
+                </a:cubicBezTo>
+                <a:cubicBezTo>
+                  <a:pt x="4675509" y="25883"/>
+                  <a:pt x="4433401" y="-615"/>
+                  <a:pt x="4165854" y="18288"/>
+                </a:cubicBezTo>
+                <a:cubicBezTo>
+                  <a:pt x="3898308" y="37191"/>
+                  <a:pt x="3809032" y="-8710"/>
+                  <a:pt x="3543681" y="18288"/>
+                </a:cubicBezTo>
+                <a:cubicBezTo>
+                  <a:pt x="3278330" y="45286"/>
+                  <a:pt x="3073876" y="-15917"/>
+                  <a:pt x="2759202" y="18288"/>
+                </a:cubicBezTo>
+                <a:cubicBezTo>
+                  <a:pt x="2444528" y="52493"/>
+                  <a:pt x="2204144" y="3372"/>
+                  <a:pt x="1974723" y="18288"/>
+                </a:cubicBezTo>
+                <a:cubicBezTo>
+                  <a:pt x="1745302" y="33204"/>
+                  <a:pt x="1602335" y="31490"/>
+                  <a:pt x="1406652" y="18288"/>
+                </a:cubicBezTo>
+                <a:cubicBezTo>
+                  <a:pt x="1210969" y="5086"/>
+                  <a:pt x="923948" y="3161"/>
+                  <a:pt x="730377" y="18288"/>
+                </a:cubicBezTo>
+                <a:cubicBezTo>
+                  <a:pt x="536806" y="33415"/>
+                  <a:pt x="336496" y="-141"/>
+                  <a:pt x="0" y="18288"/>
+                </a:cubicBezTo>
+                <a:cubicBezTo>
+                  <a:pt x="-306" y="11061"/>
+                  <a:pt x="-655" y="7751"/>
+                  <a:pt x="0" y="0"/>
+                </a:cubicBezTo>
+                <a:close/>
+              </a:path>
+            </a:pathLst>
+          </a:custGeom>
+          <a:solidFill>
+            <a:schemeClr val="accent2"/>
+          </a:solidFill>
+          <a:ln w="41275" cap="rnd">
+            <a:solidFill>
+              <a:schemeClr val="accent2"/>
+            </a:solidFill>
+            <a:round/>
+            <a:extLst>
+              <a:ext uri="{C807C97D-BFC1-408E-A445-0C87EB9F89A2}">
+                <ask:lineSketchStyleProps xmlns:ask="http://schemas.microsoft.com/office/drawing/2018/sketchyshapes" sd="1219033472">
+                  <a:prstGeom prst="rect">
+                    <a:avLst/>
+                  </a:prstGeom>
+                  <ask:type>
+                    <ask:lineSketchFreehand/>
+                  </ask:type>
+                </ask:lineSketchStyleProps>
+              </a:ext>
+            </a:extLst>
+          </a:ln>
+        </p:spPr>
+        <p:style>
+          <a:lnRef idx="2">
+            <a:schemeClr val="accent1">
+              <a:shade val="50000"/>
+            </a:schemeClr>
+          </a:lnRef>
+          <a:fillRef idx="1">
+            <a:schemeClr val="accent1"/>
+          </a:fillRef>
+          <a:effectRef idx="0">
+            <a:schemeClr val="accent1"/>
+          </a:effectRef>
+          <a:fontRef idx="minor">
+            <a:schemeClr val="lt1"/>
+          </a:fontRef>
+        </p:style>
+        <p:txBody>
+          <a:bodyPr rtlCol="0" anchor="ctr"/>
+          <a:lstStyle/>
+          <a:p>
+            <a:pPr algn="ctr"/>
+            <a:endParaRPr lang="en-US"/>
+          </a:p>
+        </p:txBody>
+      </p:sp>
+      <p:pic>
+        <p:nvPicPr>
+          <p:cNvPr id="5" name="Imagem 4" descr="Diagrama&#10;&#10;Descrição gerada automaticamente">
+            <a:extLst>
+              <a:ext uri="{FF2B5EF4-FFF2-40B4-BE49-F238E27FC236}">
+                <a16:creationId xmlns:a16="http://schemas.microsoft.com/office/drawing/2014/main" id="{296A71F9-137A-8FB4-B79B-5FAB34036BA0}"/>
+              </a:ext>
+            </a:extLst>
+          </p:cNvPr>
+          <p:cNvPicPr>
+            <a:picLocks noChangeAspect="1"/>
+          </p:cNvPicPr>
+          <p:nvPr/>
+        </p:nvPicPr>
+        <p:blipFill rotWithShape="1">
+          <a:blip r:embed="rId2"/>
+          <a:srcRect l="1865" r="7053" b="4"/>
+          <a:stretch/>
+        </p:blipFill>
+        <p:spPr>
+          <a:xfrm>
+            <a:off x="432113" y="2619784"/>
+            <a:ext cx="3479173" cy="3600041"/>
+          </a:xfrm>
+          <a:prstGeom prst="rect">
+            <a:avLst/>
+          </a:prstGeom>
+        </p:spPr>
+      </p:pic>
+      <p:pic>
+        <p:nvPicPr>
+          <p:cNvPr id="8" name="Imagem 7" descr="Diagrama&#10;&#10;Descrição gerada automaticamente">
+            <a:extLst>
+              <a:ext uri="{FF2B5EF4-FFF2-40B4-BE49-F238E27FC236}">
+                <a16:creationId xmlns:a16="http://schemas.microsoft.com/office/drawing/2014/main" id="{8BDDFB65-37DF-2390-2107-A297F300D0DF}"/>
+              </a:ext>
+            </a:extLst>
+          </p:cNvPr>
+          <p:cNvPicPr>
+            <a:picLocks noChangeAspect="1"/>
+          </p:cNvPicPr>
+          <p:nvPr/>
+        </p:nvPicPr>
+        <p:blipFill rotWithShape="1">
+          <a:blip r:embed="rId3">
+            <a:extLst>
+              <a:ext uri="{28A0092B-C50C-407E-A947-70E740481C1C}">
+                <a14:useLocalDpi xmlns:a14="http://schemas.microsoft.com/office/drawing/2010/main" val="0"/>
+              </a:ext>
+            </a:extLst>
+          </a:blip>
+          <a:srcRect l="9700" r="16852" b="1"/>
+          <a:stretch/>
+        </p:blipFill>
+        <p:spPr>
+          <a:xfrm>
+            <a:off x="4356405" y="2619784"/>
+            <a:ext cx="3479190" cy="3600041"/>
+          </a:xfrm>
+          <a:prstGeom prst="rect">
+            <a:avLst/>
+          </a:prstGeom>
+        </p:spPr>
+      </p:pic>
+      <p:pic>
+        <p:nvPicPr>
+          <p:cNvPr id="17" name="Imagem 16" descr="Diagrama&#10;&#10;Descrição gerada automaticamente">
+            <a:extLst>
+              <a:ext uri="{FF2B5EF4-FFF2-40B4-BE49-F238E27FC236}">
+                <a16:creationId xmlns:a16="http://schemas.microsoft.com/office/drawing/2014/main" id="{6FD33863-2E93-2F7B-3EFD-1BB392FCF13A}"/>
+              </a:ext>
+            </a:extLst>
+          </p:cNvPr>
+          <p:cNvPicPr>
+            <a:picLocks noChangeAspect="1"/>
+          </p:cNvPicPr>
+          <p:nvPr/>
+        </p:nvPicPr>
+        <p:blipFill rotWithShape="1">
+          <a:blip r:embed="rId4">
+            <a:extLst>
+              <a:ext uri="{28A0092B-C50C-407E-A947-70E740481C1C}">
+                <a14:useLocalDpi xmlns:a14="http://schemas.microsoft.com/office/drawing/2010/main" val="0"/>
+              </a:ext>
+            </a:extLst>
+          </a:blip>
+          <a:srcRect l="18197" r="14877" b="-2"/>
+          <a:stretch/>
+        </p:blipFill>
+        <p:spPr>
+          <a:xfrm>
+            <a:off x="8280721" y="2619784"/>
+            <a:ext cx="3479157" cy="3600041"/>
+          </a:xfrm>
+          <a:prstGeom prst="rect">
+            <a:avLst/>
+          </a:prstGeom>
+        </p:spPr>
+      </p:pic>
       <p:sp>
         <p:nvSpPr>
           <p:cNvPr id="4" name="AutoShape 2">
@@ -3820,42 +6494,6 @@
           </a:p>
         </p:txBody>
       </p:sp>
-      <p:pic>
-        <p:nvPicPr>
-          <p:cNvPr id="7" name="Imagem 6" descr="Diagrama&#10;&#10;Descrição gerada automaticamente">
-            <a:extLst>
-              <a:ext uri="{FF2B5EF4-FFF2-40B4-BE49-F238E27FC236}">
-                <a16:creationId xmlns:a16="http://schemas.microsoft.com/office/drawing/2014/main" id="{D67ABEB6-6AAA-FF5B-8764-7A6D54835B2D}"/>
-              </a:ext>
-            </a:extLst>
-          </p:cNvPr>
-          <p:cNvPicPr>
-            <a:picLocks noChangeAspect="1"/>
-          </p:cNvPicPr>
-          <p:nvPr/>
-        </p:nvPicPr>
-        <p:blipFill>
-          <a:blip r:embed="rId2">
-            <a:extLst>
-              <a:ext uri="{28A0092B-C50C-407E-A947-70E740481C1C}">
-                <a14:useLocalDpi xmlns:a14="http://schemas.microsoft.com/office/drawing/2010/main" val="0"/>
-              </a:ext>
-            </a:extLst>
-          </a:blip>
-          <a:stretch>
-            <a:fillRect/>
-          </a:stretch>
-        </p:blipFill>
-        <p:spPr>
-          <a:xfrm>
-            <a:off x="3089108" y="1373124"/>
-            <a:ext cx="7216942" cy="5484876"/>
-          </a:xfrm>
-          <a:prstGeom prst="rect">
-            <a:avLst/>
-          </a:prstGeom>
-        </p:spPr>
-      </p:pic>
     </p:spTree>
     <p:extLst>
       <p:ext uri="{BB962C8B-B14F-4D97-AF65-F5344CB8AC3E}">
@@ -3869,9 +6507,17 @@
 </p:sld>
 </file>
 
-<file path=ppt/slides/slide5.xml><?xml version="1.0" encoding="utf-8"?>
+<file path=ppt/slides/slide6.xml><?xml version="1.0" encoding="utf-8"?>
 <p:sld xmlns:a="http://schemas.openxmlformats.org/drawingml/2006/main" xmlns:r="http://schemas.openxmlformats.org/officeDocument/2006/relationships" xmlns:p="http://schemas.openxmlformats.org/presentationml/2006/main">
   <p:cSld>
+    <p:bg>
+      <p:bgPr>
+        <a:solidFill>
+          <a:schemeClr val="bg1"/>
+        </a:solidFill>
+        <a:effectLst/>
+      </p:bgPr>
+    </p:bg>
     <p:spTree>
       <p:nvGrpSpPr>
         <p:cNvPr id="1" name=""/>
@@ -3886,12 +6532,72 @@
           <a:chExt cx="0" cy="0"/>
         </a:xfrm>
       </p:grpSpPr>
+      <p:sp useBgFill="1">
+        <p:nvSpPr>
+          <p:cNvPr id="9" name="Rectangle 8">
+            <a:extLst>
+              <a:ext uri="{FF2B5EF4-FFF2-40B4-BE49-F238E27FC236}">
+                <a16:creationId xmlns:a16="http://schemas.microsoft.com/office/drawing/2014/main" id="{9B7AD9F6-8CE7-4299-8FC6-328F4DCD3FF9}"/>
+              </a:ext>
+              <a:ext uri="{C183D7F6-B498-43B3-948B-1728B52AA6E4}">
+                <adec:decorative xmlns:adec="http://schemas.microsoft.com/office/drawing/2017/decorative" val="1"/>
+              </a:ext>
+            </a:extLst>
+          </p:cNvPr>
+          <p:cNvSpPr>
+            <a:spLocks noGrp="1" noRot="1" noChangeAspect="1" noMove="1" noResize="1" noEditPoints="1" noAdjustHandles="1" noChangeArrowheads="1" noChangeShapeType="1" noTextEdit="1"/>
+          </p:cNvSpPr>
+          <p:nvPr>
+            <p:extLst>
+              <p:ext uri="{386F3935-93C4-4BCD-93E2-E3B085C9AB24}">
+                <p16:designElem xmlns:p16="http://schemas.microsoft.com/office/powerpoint/2015/main" val="1"/>
+              </p:ext>
+            </p:extLst>
+          </p:nvPr>
+        </p:nvSpPr>
+        <p:spPr>
+          <a:xfrm>
+            <a:off x="0" y="0"/>
+            <a:ext cx="12188952" cy="6858000"/>
+          </a:xfrm>
+          <a:prstGeom prst="rect">
+            <a:avLst/>
+          </a:prstGeom>
+          <a:ln>
+            <a:noFill/>
+          </a:ln>
+        </p:spPr>
+        <p:style>
+          <a:lnRef idx="2">
+            <a:schemeClr val="accent1">
+              <a:shade val="50000"/>
+            </a:schemeClr>
+          </a:lnRef>
+          <a:fillRef idx="1">
+            <a:schemeClr val="accent1"/>
+          </a:fillRef>
+          <a:effectRef idx="0">
+            <a:schemeClr val="accent1"/>
+          </a:effectRef>
+          <a:fontRef idx="minor">
+            <a:schemeClr val="lt1"/>
+          </a:fontRef>
+        </p:style>
+        <p:txBody>
+          <a:bodyPr rtlCol="0" anchor="ctr"/>
+          <a:lstStyle/>
+          <a:p>
+            <a:pPr algn="ctr"/>
+            <a:endParaRPr lang="en-US"/>
+          </a:p>
+        </p:txBody>
+      </p:sp>
       <p:sp>
         <p:nvSpPr>
           <p:cNvPr id="2" name="Título 1">
             <a:extLst>
               <a:ext uri="{FF2B5EF4-FFF2-40B4-BE49-F238E27FC236}">
-                <a16:creationId xmlns:a16="http://schemas.microsoft.com/office/drawing/2014/main" id="{A9E45837-489D-5A41-499A-7EA17D0F353F}"/>
+                <a16:creationId xmlns:a16="http://schemas.microsoft.com/office/drawing/2014/main" id="{E20529B6-BF2A-4142-6544-06496CCD5786}"/>
               </a:ext>
             </a:extLst>
           </p:cNvPr>
@@ -3899,83 +6605,86 @@
             <a:spLocks noGrp="1"/>
           </p:cNvSpPr>
           <p:nvPr>
-            <p:ph type="title"/>
-          </p:nvPr>
-        </p:nvSpPr>
-        <p:spPr/>
-        <p:txBody>
-          <a:bodyPr/>
+            <p:ph type="ctrTitle"/>
+          </p:nvPr>
+        </p:nvSpPr>
+        <p:spPr>
+          <a:xfrm>
+            <a:off x="5297762" y="640080"/>
+            <a:ext cx="6251110" cy="3566160"/>
+          </a:xfrm>
+        </p:spPr>
+        <p:txBody>
+          <a:bodyPr anchor="b">
+            <a:normAutofit/>
+          </a:bodyPr>
           <a:lstStyle/>
           <a:p>
-            <a:r>
-              <a:rPr lang="pt-BR" dirty="0" err="1"/>
-              <a:t>ODSs</a:t>
+            <a:pPr algn="l"/>
+            <a:r>
+              <a:rPr lang="pt-BR" sz="5400" u="sng" dirty="0"/>
+              <a:t>Vamos</a:t>
+            </a:r>
+            <a:r>
+              <a:rPr lang="pt-BR" sz="5400" dirty="0"/>
+              <a:t> para o </a:t>
+            </a:r>
+            <a:r>
+              <a:rPr lang="pt-BR" sz="5400" dirty="0" err="1"/>
+              <a:t>codigo</a:t>
+            </a:r>
+            <a:endParaRPr lang="pt-BR" sz="5400" dirty="0"/>
+          </a:p>
+        </p:txBody>
+      </p:sp>
+      <p:sp>
+        <p:nvSpPr>
+          <p:cNvPr id="3" name="Subtítulo 2">
+            <a:extLst>
+              <a:ext uri="{FF2B5EF4-FFF2-40B4-BE49-F238E27FC236}">
+                <a16:creationId xmlns:a16="http://schemas.microsoft.com/office/drawing/2014/main" id="{37E3623A-EF40-24DC-B2AA-D7E141D27AB2}"/>
+              </a:ext>
+            </a:extLst>
+          </p:cNvPr>
+          <p:cNvSpPr>
+            <a:spLocks noGrp="1"/>
+          </p:cNvSpPr>
+          <p:nvPr>
+            <p:ph type="subTitle" idx="1"/>
+          </p:nvPr>
+        </p:nvSpPr>
+        <p:spPr>
+          <a:xfrm>
+            <a:off x="5297760" y="4636008"/>
+            <a:ext cx="6251111" cy="1572768"/>
+          </a:xfrm>
+        </p:spPr>
+        <p:txBody>
+          <a:bodyPr>
+            <a:normAutofit/>
+          </a:bodyPr>
+          <a:lstStyle/>
+          <a:p>
+            <a:pPr algn="l"/>
+            <a:r>
+              <a:rPr lang="pt-BR" dirty="0">
+                <a:hlinkClick r:id="rId2"/>
+              </a:rPr>
+              <a:t>https://replit.com/@ArturValladares/trabalho-grafos#main.cpp</a:t>
             </a:r>
             <a:r>
               <a:rPr lang="pt-BR" dirty="0"/>
-              <a:t> relacionadas	</a:t>
-            </a:r>
-          </a:p>
-        </p:txBody>
-      </p:sp>
-      <p:sp>
-        <p:nvSpPr>
-          <p:cNvPr id="3" name="Espaço Reservado para Conteúdo 2">
-            <a:extLst>
-              <a:ext uri="{FF2B5EF4-FFF2-40B4-BE49-F238E27FC236}">
-                <a16:creationId xmlns:a16="http://schemas.microsoft.com/office/drawing/2014/main" id="{B6B804C7-A5F3-07C0-646B-D33E06296A48}"/>
-              </a:ext>
-            </a:extLst>
-          </p:cNvPr>
-          <p:cNvSpPr>
-            <a:spLocks noGrp="1"/>
-          </p:cNvSpPr>
-          <p:nvPr>
-            <p:ph idx="1"/>
-          </p:nvPr>
-        </p:nvSpPr>
-        <p:spPr/>
-        <p:txBody>
-          <a:bodyPr/>
-          <a:lstStyle/>
-          <a:p>
-            <a:r>
-              <a:rPr lang="pt-BR" dirty="0"/>
-              <a:t>ODS 1 - Erradicação da Pobreza</a:t>
-            </a:r>
-          </a:p>
-          <a:p>
-            <a:r>
-              <a:rPr lang="pt-BR" dirty="0"/>
-              <a:t>ODS 8 - Trabalho Decente e Crescimento Econômico</a:t>
-            </a:r>
-          </a:p>
-          <a:p>
-            <a:r>
-              <a:rPr lang="pt-BR" dirty="0"/>
-              <a:t>ODS 9 - Indústria, Inovação e Infraestrutura</a:t>
-            </a:r>
-          </a:p>
-          <a:p>
-            <a:r>
-              <a:rPr lang="pt-BR" dirty="0"/>
-              <a:t>ODS 12 - Consumo e Produção Responsáveis</a:t>
-            </a:r>
-          </a:p>
-          <a:p>
-            <a:r>
-              <a:rPr lang="pt-BR" dirty="0"/>
-              <a:t>ODS 17 - Parcerias para as Metas</a:t>
+              <a:t> </a:t>
             </a:r>
           </a:p>
         </p:txBody>
       </p:sp>
       <p:pic>
         <p:nvPicPr>
-          <p:cNvPr id="5" name="Imagem 4">
-            <a:extLst>
-              <a:ext uri="{FF2B5EF4-FFF2-40B4-BE49-F238E27FC236}">
-                <a16:creationId xmlns:a16="http://schemas.microsoft.com/office/drawing/2014/main" id="{FD0D5F86-1523-3B73-A6E4-766B4DD734E6}"/>
+          <p:cNvPr id="5" name="Picture 4" descr="Linhas de dados 101010 até o infinito">
+            <a:extLst>
+              <a:ext uri="{FF2B5EF4-FFF2-40B4-BE49-F238E27FC236}">
+                <a16:creationId xmlns:a16="http://schemas.microsoft.com/office/drawing/2014/main" id="{54B0C547-BDDE-AA2D-1A30-C71FAD602754}"/>
               </a:ext>
             </a:extLst>
           </p:cNvPr>
@@ -3984,116 +6693,473 @@
           </p:cNvPicPr>
           <p:nvPr/>
         </p:nvPicPr>
-        <p:blipFill>
-          <a:blip r:embed="rId2"/>
-          <a:stretch>
-            <a:fillRect/>
-          </a:stretch>
+        <p:blipFill rotWithShape="1">
+          <a:blip r:embed="rId3"/>
+          <a:srcRect l="29766" r="26262" b="1"/>
+          <a:stretch/>
         </p:blipFill>
         <p:spPr>
           <a:xfrm>
-            <a:off x="6316481" y="3911600"/>
-            <a:ext cx="5443360" cy="2581275"/>
+            <a:off x="1" y="10"/>
+            <a:ext cx="4657344" cy="6857990"/>
           </a:xfrm>
-          <a:prstGeom prst="rect">
+          <a:custGeom>
             <a:avLst/>
-          </a:prstGeom>
+            <a:gdLst/>
+            <a:ahLst/>
+            <a:cxnLst/>
+            <a:rect l="l" t="t" r="r" b="b"/>
+            <a:pathLst>
+              <a:path w="4657344" h="6858000">
+                <a:moveTo>
+                  <a:pt x="0" y="0"/>
+                </a:moveTo>
+                <a:lnTo>
+                  <a:pt x="3429755" y="0"/>
+                </a:lnTo>
+                <a:lnTo>
+                  <a:pt x="3526016" y="148742"/>
+                </a:lnTo>
+                <a:cubicBezTo>
+                  <a:pt x="3657740" y="365513"/>
+                  <a:pt x="3777402" y="589569"/>
+                  <a:pt x="3886489" y="819975"/>
+                </a:cubicBezTo>
+                <a:cubicBezTo>
+                  <a:pt x="3891856" y="833492"/>
+                  <a:pt x="3900663" y="845393"/>
+                  <a:pt x="3912049" y="854514"/>
+                </a:cubicBezTo>
+                <a:cubicBezTo>
+                  <a:pt x="3897352" y="819849"/>
+                  <a:pt x="3883037" y="784928"/>
+                  <a:pt x="3868083" y="750263"/>
+                </a:cubicBezTo>
+                <a:cubicBezTo>
+                  <a:pt x="3806989" y="608712"/>
+                  <a:pt x="3742478" y="469145"/>
+                  <a:pt x="3674155" y="331786"/>
+                </a:cubicBezTo>
+                <a:lnTo>
+                  <a:pt x="3496656" y="0"/>
+                </a:lnTo>
+                <a:lnTo>
+                  <a:pt x="3554371" y="0"/>
+                </a:lnTo>
+                <a:lnTo>
+                  <a:pt x="3661621" y="196614"/>
+                </a:lnTo>
+                <a:cubicBezTo>
+                  <a:pt x="3856899" y="573253"/>
+                  <a:pt x="4021071" y="966066"/>
+                  <a:pt x="4161279" y="1371196"/>
+                </a:cubicBezTo>
+                <a:cubicBezTo>
+                  <a:pt x="4379525" y="2007265"/>
+                  <a:pt x="4530141" y="2664286"/>
+                  <a:pt x="4610660" y="3331516"/>
+                </a:cubicBezTo>
+                <a:cubicBezTo>
+                  <a:pt x="4652837" y="3672965"/>
+                  <a:pt x="4671625" y="4013908"/>
+                  <a:pt x="4645040" y="4357388"/>
+                </a:cubicBezTo>
+                <a:cubicBezTo>
+                  <a:pt x="4613599" y="4758899"/>
+                  <a:pt x="4566181" y="5157998"/>
+                  <a:pt x="4485789" y="5552906"/>
+                </a:cubicBezTo>
+                <a:cubicBezTo>
+                  <a:pt x="4397121" y="5988893"/>
+                  <a:pt x="4276748" y="6414594"/>
+                  <a:pt x="4117769" y="6828295"/>
+                </a:cubicBezTo>
+                <a:lnTo>
+                  <a:pt x="4105288" y="6858000"/>
+                </a:lnTo>
+                <a:lnTo>
+                  <a:pt x="4052520" y="6858000"/>
+                </a:lnTo>
+                <a:lnTo>
+                  <a:pt x="4059369" y="6841549"/>
+                </a:lnTo>
+                <a:cubicBezTo>
+                  <a:pt x="4147276" y="6614016"/>
+                  <a:pt x="4224193" y="6380817"/>
+                  <a:pt x="4291518" y="6142729"/>
+                </a:cubicBezTo>
+                <a:cubicBezTo>
+                  <a:pt x="4350055" y="5935370"/>
+                  <a:pt x="4393256" y="5723695"/>
+                  <a:pt x="4443357" y="5513923"/>
+                </a:cubicBezTo>
+                <a:cubicBezTo>
+                  <a:pt x="4444541" y="5502788"/>
+                  <a:pt x="4445137" y="5491601"/>
+                  <a:pt x="4445146" y="5480401"/>
+                </a:cubicBezTo>
+                <a:cubicBezTo>
+                  <a:pt x="4408465" y="5607635"/>
+                  <a:pt x="4379196" y="5719759"/>
+                  <a:pt x="4344559" y="5830359"/>
+                </a:cubicBezTo>
+                <a:cubicBezTo>
+                  <a:pt x="4254261" y="6118381"/>
+                  <a:pt x="4150112" y="6398531"/>
+                  <a:pt x="4031702" y="6670527"/>
+                </a:cubicBezTo>
+                <a:lnTo>
+                  <a:pt x="3943824" y="6858000"/>
+                </a:lnTo>
+                <a:lnTo>
+                  <a:pt x="0" y="6858000"/>
+                </a:lnTo>
+                <a:close/>
+              </a:path>
+            </a:pathLst>
+          </a:custGeom>
         </p:spPr>
       </p:pic>
-    </p:spTree>
-    <p:extLst>
-      <p:ext uri="{BB962C8B-B14F-4D97-AF65-F5344CB8AC3E}">
-        <p14:creationId xmlns:p14="http://schemas.microsoft.com/office/powerpoint/2010/main" val="18955930"/>
-      </p:ext>
-    </p:extLst>
-  </p:cSld>
-  <p:clrMapOvr>
-    <a:masterClrMapping/>
-  </p:clrMapOvr>
-</p:sld>
-</file>
-
-<file path=ppt/slides/slide6.xml><?xml version="1.0" encoding="utf-8"?>
-<p:sld xmlns:a="http://schemas.openxmlformats.org/drawingml/2006/main" xmlns:r="http://schemas.openxmlformats.org/officeDocument/2006/relationships" xmlns:p="http://schemas.openxmlformats.org/presentationml/2006/main">
-  <p:cSld>
-    <p:spTree>
-      <p:nvGrpSpPr>
-        <p:cNvPr id="1" name=""/>
-        <p:cNvGrpSpPr/>
-        <p:nvPr/>
-      </p:nvGrpSpPr>
-      <p:grpSpPr>
-        <a:xfrm>
-          <a:off x="0" y="0"/>
-          <a:ext cx="0" cy="0"/>
-          <a:chOff x="0" y="0"/>
-          <a:chExt cx="0" cy="0"/>
-        </a:xfrm>
-      </p:grpSpPr>
-      <p:sp>
-        <p:nvSpPr>
-          <p:cNvPr id="2" name="Título 1">
-            <a:extLst>
-              <a:ext uri="{FF2B5EF4-FFF2-40B4-BE49-F238E27FC236}">
-                <a16:creationId xmlns:a16="http://schemas.microsoft.com/office/drawing/2014/main" id="{E20529B6-BF2A-4142-6544-06496CCD5786}"/>
-              </a:ext>
-            </a:extLst>
-          </p:cNvPr>
-          <p:cNvSpPr>
-            <a:spLocks noGrp="1"/>
-          </p:cNvSpPr>
-          <p:nvPr>
-            <p:ph type="ctrTitle"/>
-          </p:nvPr>
-        </p:nvSpPr>
-        <p:spPr/>
-        <p:txBody>
-          <a:bodyPr/>
+      <p:sp>
+        <p:nvSpPr>
+          <p:cNvPr id="11" name="sketchy line">
+            <a:extLst>
+              <a:ext uri="{FF2B5EF4-FFF2-40B4-BE49-F238E27FC236}">
+                <a16:creationId xmlns:a16="http://schemas.microsoft.com/office/drawing/2014/main" id="{F49775AF-8896-43EE-92C6-83497D6DC56F}"/>
+              </a:ext>
+              <a:ext uri="{C183D7F6-B498-43B3-948B-1728B52AA6E4}">
+                <adec:decorative xmlns:adec="http://schemas.microsoft.com/office/drawing/2017/decorative" val="1"/>
+              </a:ext>
+            </a:extLst>
+          </p:cNvPr>
+          <p:cNvSpPr>
+            <a:spLocks noGrp="1" noRot="1" noChangeAspect="1" noMove="1" noResize="1" noEditPoints="1" noAdjustHandles="1" noChangeArrowheads="1" noChangeShapeType="1" noTextEdit="1"/>
+          </p:cNvSpPr>
+          <p:nvPr>
+            <p:extLst>
+              <p:ext uri="{386F3935-93C4-4BCD-93E2-E3B085C9AB24}">
+                <p16:designElem xmlns:p16="http://schemas.microsoft.com/office/powerpoint/2015/main" val="1"/>
+              </p:ext>
+            </p:extLst>
+          </p:nvPr>
+        </p:nvSpPr>
+        <p:spPr>
+          <a:xfrm>
+            <a:off x="5412862" y="4409267"/>
+            <a:ext cx="4243589" cy="18288"/>
+          </a:xfrm>
+          <a:custGeom>
+            <a:avLst/>
+            <a:gdLst>
+              <a:gd name="connsiteX0" fmla="*/ 0 w 4243589"/>
+              <a:gd name="connsiteY0" fmla="*/ 0 h 18288"/>
+              <a:gd name="connsiteX1" fmla="*/ 563791 w 4243589"/>
+              <a:gd name="connsiteY1" fmla="*/ 0 h 18288"/>
+              <a:gd name="connsiteX2" fmla="*/ 1042710 w 4243589"/>
+              <a:gd name="connsiteY2" fmla="*/ 0 h 18288"/>
+              <a:gd name="connsiteX3" fmla="*/ 1564066 w 4243589"/>
+              <a:gd name="connsiteY3" fmla="*/ 0 h 18288"/>
+              <a:gd name="connsiteX4" fmla="*/ 2212729 w 4243589"/>
+              <a:gd name="connsiteY4" fmla="*/ 0 h 18288"/>
+              <a:gd name="connsiteX5" fmla="*/ 2776520 w 4243589"/>
+              <a:gd name="connsiteY5" fmla="*/ 0 h 18288"/>
+              <a:gd name="connsiteX6" fmla="*/ 3297875 w 4243589"/>
+              <a:gd name="connsiteY6" fmla="*/ 0 h 18288"/>
+              <a:gd name="connsiteX7" fmla="*/ 4243589 w 4243589"/>
+              <a:gd name="connsiteY7" fmla="*/ 0 h 18288"/>
+              <a:gd name="connsiteX8" fmla="*/ 4243589 w 4243589"/>
+              <a:gd name="connsiteY8" fmla="*/ 18288 h 18288"/>
+              <a:gd name="connsiteX9" fmla="*/ 3637362 w 4243589"/>
+              <a:gd name="connsiteY9" fmla="*/ 18288 h 18288"/>
+              <a:gd name="connsiteX10" fmla="*/ 3116007 w 4243589"/>
+              <a:gd name="connsiteY10" fmla="*/ 18288 h 18288"/>
+              <a:gd name="connsiteX11" fmla="*/ 2424908 w 4243589"/>
+              <a:gd name="connsiteY11" fmla="*/ 18288 h 18288"/>
+              <a:gd name="connsiteX12" fmla="*/ 1861117 w 4243589"/>
+              <a:gd name="connsiteY12" fmla="*/ 18288 h 18288"/>
+              <a:gd name="connsiteX13" fmla="*/ 1382198 w 4243589"/>
+              <a:gd name="connsiteY13" fmla="*/ 18288 h 18288"/>
+              <a:gd name="connsiteX14" fmla="*/ 733535 w 4243589"/>
+              <a:gd name="connsiteY14" fmla="*/ 18288 h 18288"/>
+              <a:gd name="connsiteX15" fmla="*/ 0 w 4243589"/>
+              <a:gd name="connsiteY15" fmla="*/ 18288 h 18288"/>
+              <a:gd name="connsiteX16" fmla="*/ 0 w 4243589"/>
+              <a:gd name="connsiteY16" fmla="*/ 0 h 18288"/>
+            </a:gdLst>
+            <a:ahLst/>
+            <a:cxnLst>
+              <a:cxn ang="0">
+                <a:pos x="connsiteX0" y="connsiteY0"/>
+              </a:cxn>
+              <a:cxn ang="0">
+                <a:pos x="connsiteX1" y="connsiteY1"/>
+              </a:cxn>
+              <a:cxn ang="0">
+                <a:pos x="connsiteX2" y="connsiteY2"/>
+              </a:cxn>
+              <a:cxn ang="0">
+                <a:pos x="connsiteX3" y="connsiteY3"/>
+              </a:cxn>
+              <a:cxn ang="0">
+                <a:pos x="connsiteX4" y="connsiteY4"/>
+              </a:cxn>
+              <a:cxn ang="0">
+                <a:pos x="connsiteX5" y="connsiteY5"/>
+              </a:cxn>
+              <a:cxn ang="0">
+                <a:pos x="connsiteX6" y="connsiteY6"/>
+              </a:cxn>
+              <a:cxn ang="0">
+                <a:pos x="connsiteX7" y="connsiteY7"/>
+              </a:cxn>
+              <a:cxn ang="0">
+                <a:pos x="connsiteX8" y="connsiteY8"/>
+              </a:cxn>
+              <a:cxn ang="0">
+                <a:pos x="connsiteX9" y="connsiteY9"/>
+              </a:cxn>
+              <a:cxn ang="0">
+                <a:pos x="connsiteX10" y="connsiteY10"/>
+              </a:cxn>
+              <a:cxn ang="0">
+                <a:pos x="connsiteX11" y="connsiteY11"/>
+              </a:cxn>
+              <a:cxn ang="0">
+                <a:pos x="connsiteX12" y="connsiteY12"/>
+              </a:cxn>
+              <a:cxn ang="0">
+                <a:pos x="connsiteX13" y="connsiteY13"/>
+              </a:cxn>
+              <a:cxn ang="0">
+                <a:pos x="connsiteX14" y="connsiteY14"/>
+              </a:cxn>
+              <a:cxn ang="0">
+                <a:pos x="connsiteX15" y="connsiteY15"/>
+              </a:cxn>
+              <a:cxn ang="0">
+                <a:pos x="connsiteX16" y="connsiteY16"/>
+              </a:cxn>
+            </a:cxnLst>
+            <a:rect l="l" t="t" r="r" b="b"/>
+            <a:pathLst>
+              <a:path w="4243589" h="18288" fill="none" extrusionOk="0">
+                <a:moveTo>
+                  <a:pt x="0" y="0"/>
+                </a:moveTo>
+                <a:cubicBezTo>
+                  <a:pt x="157351" y="-15653"/>
+                  <a:pt x="378877" y="-5828"/>
+                  <a:pt x="563791" y="0"/>
+                </a:cubicBezTo>
+                <a:cubicBezTo>
+                  <a:pt x="748705" y="5828"/>
+                  <a:pt x="905659" y="-5525"/>
+                  <a:pt x="1042710" y="0"/>
+                </a:cubicBezTo>
+                <a:cubicBezTo>
+                  <a:pt x="1179761" y="5525"/>
+                  <a:pt x="1356845" y="-21288"/>
+                  <a:pt x="1564066" y="0"/>
+                </a:cubicBezTo>
+                <a:cubicBezTo>
+                  <a:pt x="1771287" y="21288"/>
+                  <a:pt x="1912099" y="25135"/>
+                  <a:pt x="2212729" y="0"/>
+                </a:cubicBezTo>
+                <a:cubicBezTo>
+                  <a:pt x="2513359" y="-25135"/>
+                  <a:pt x="2514918" y="-27119"/>
+                  <a:pt x="2776520" y="0"/>
+                </a:cubicBezTo>
+                <a:cubicBezTo>
+                  <a:pt x="3038122" y="27119"/>
+                  <a:pt x="3178771" y="18116"/>
+                  <a:pt x="3297875" y="0"/>
+                </a:cubicBezTo>
+                <a:cubicBezTo>
+                  <a:pt x="3416980" y="-18116"/>
+                  <a:pt x="4012240" y="-40869"/>
+                  <a:pt x="4243589" y="0"/>
+                </a:cubicBezTo>
+                <a:cubicBezTo>
+                  <a:pt x="4243987" y="7429"/>
+                  <a:pt x="4243569" y="10822"/>
+                  <a:pt x="4243589" y="18288"/>
+                </a:cubicBezTo>
+                <a:cubicBezTo>
+                  <a:pt x="4112949" y="-2855"/>
+                  <a:pt x="3928037" y="1831"/>
+                  <a:pt x="3637362" y="18288"/>
+                </a:cubicBezTo>
+                <a:cubicBezTo>
+                  <a:pt x="3346687" y="34745"/>
+                  <a:pt x="3254446" y="26669"/>
+                  <a:pt x="3116007" y="18288"/>
+                </a:cubicBezTo>
+                <a:cubicBezTo>
+                  <a:pt x="2977569" y="9907"/>
+                  <a:pt x="2620228" y="28873"/>
+                  <a:pt x="2424908" y="18288"/>
+                </a:cubicBezTo>
+                <a:cubicBezTo>
+                  <a:pt x="2229588" y="7703"/>
+                  <a:pt x="2088287" y="-3854"/>
+                  <a:pt x="1861117" y="18288"/>
+                </a:cubicBezTo>
+                <a:cubicBezTo>
+                  <a:pt x="1633947" y="40430"/>
+                  <a:pt x="1502447" y="-871"/>
+                  <a:pt x="1382198" y="18288"/>
+                </a:cubicBezTo>
+                <a:cubicBezTo>
+                  <a:pt x="1261949" y="37447"/>
+                  <a:pt x="1045440" y="28353"/>
+                  <a:pt x="733535" y="18288"/>
+                </a:cubicBezTo>
+                <a:cubicBezTo>
+                  <a:pt x="421630" y="8223"/>
+                  <a:pt x="341257" y="-18359"/>
+                  <a:pt x="0" y="18288"/>
+                </a:cubicBezTo>
+                <a:cubicBezTo>
+                  <a:pt x="-591" y="13205"/>
+                  <a:pt x="-663" y="6329"/>
+                  <a:pt x="0" y="0"/>
+                </a:cubicBezTo>
+                <a:close/>
+              </a:path>
+              <a:path w="4243589" h="18288" stroke="0" extrusionOk="0">
+                <a:moveTo>
+                  <a:pt x="0" y="0"/>
+                </a:moveTo>
+                <a:cubicBezTo>
+                  <a:pt x="128164" y="17204"/>
+                  <a:pt x="312653" y="1129"/>
+                  <a:pt x="563791" y="0"/>
+                </a:cubicBezTo>
+                <a:cubicBezTo>
+                  <a:pt x="814929" y="-1129"/>
+                  <a:pt x="837271" y="8503"/>
+                  <a:pt x="1042710" y="0"/>
+                </a:cubicBezTo>
+                <a:cubicBezTo>
+                  <a:pt x="1248149" y="-8503"/>
+                  <a:pt x="1588432" y="-28862"/>
+                  <a:pt x="1733809" y="0"/>
+                </a:cubicBezTo>
+                <a:cubicBezTo>
+                  <a:pt x="1879186" y="28862"/>
+                  <a:pt x="2052815" y="5974"/>
+                  <a:pt x="2297600" y="0"/>
+                </a:cubicBezTo>
+                <a:cubicBezTo>
+                  <a:pt x="2542385" y="-5974"/>
+                  <a:pt x="2699960" y="-23550"/>
+                  <a:pt x="2861391" y="0"/>
+                </a:cubicBezTo>
+                <a:cubicBezTo>
+                  <a:pt x="3022822" y="23550"/>
+                  <a:pt x="3390411" y="25272"/>
+                  <a:pt x="3552490" y="0"/>
+                </a:cubicBezTo>
+                <a:cubicBezTo>
+                  <a:pt x="3714569" y="-25272"/>
+                  <a:pt x="3950585" y="-31327"/>
+                  <a:pt x="4243589" y="0"/>
+                </a:cubicBezTo>
+                <a:cubicBezTo>
+                  <a:pt x="4242703" y="5429"/>
+                  <a:pt x="4244410" y="14046"/>
+                  <a:pt x="4243589" y="18288"/>
+                </a:cubicBezTo>
+                <a:cubicBezTo>
+                  <a:pt x="4130424" y="-1240"/>
+                  <a:pt x="3932803" y="42249"/>
+                  <a:pt x="3722234" y="18288"/>
+                </a:cubicBezTo>
+                <a:cubicBezTo>
+                  <a:pt x="3511665" y="-5673"/>
+                  <a:pt x="3269903" y="45994"/>
+                  <a:pt x="3116007" y="18288"/>
+                </a:cubicBezTo>
+                <a:cubicBezTo>
+                  <a:pt x="2962111" y="-9418"/>
+                  <a:pt x="2744280" y="23224"/>
+                  <a:pt x="2509780" y="18288"/>
+                </a:cubicBezTo>
+                <a:cubicBezTo>
+                  <a:pt x="2275280" y="13352"/>
+                  <a:pt x="2066059" y="43664"/>
+                  <a:pt x="1945989" y="18288"/>
+                </a:cubicBezTo>
+                <a:cubicBezTo>
+                  <a:pt x="1825919" y="-7088"/>
+                  <a:pt x="1407329" y="12616"/>
+                  <a:pt x="1254890" y="18288"/>
+                </a:cubicBezTo>
+                <a:cubicBezTo>
+                  <a:pt x="1102451" y="23960"/>
+                  <a:pt x="837950" y="31673"/>
+                  <a:pt x="563791" y="18288"/>
+                </a:cubicBezTo>
+                <a:cubicBezTo>
+                  <a:pt x="289632" y="4903"/>
+                  <a:pt x="132768" y="7105"/>
+                  <a:pt x="0" y="18288"/>
+                </a:cubicBezTo>
+                <a:cubicBezTo>
+                  <a:pt x="668" y="13665"/>
+                  <a:pt x="578" y="5675"/>
+                  <a:pt x="0" y="0"/>
+                </a:cubicBezTo>
+                <a:close/>
+              </a:path>
+            </a:pathLst>
+          </a:custGeom>
+          <a:solidFill>
+            <a:schemeClr val="accent2"/>
+          </a:solidFill>
+          <a:ln w="44450" cap="rnd">
+            <a:solidFill>
+              <a:schemeClr val="accent2"/>
+            </a:solidFill>
+            <a:round/>
+            <a:extLst>
+              <a:ext uri="{C807C97D-BFC1-408E-A445-0C87EB9F89A2}">
+                <ask:lineSketchStyleProps xmlns:ask="http://schemas.microsoft.com/office/drawing/2018/sketchyshapes" sd="1219033472">
+                  <a:prstGeom prst="rect">
+                    <a:avLst/>
+                  </a:prstGeom>
+                  <ask:type>
+                    <ask:lineSketchFreehand/>
+                  </ask:type>
+                </ask:lineSketchStyleProps>
+              </a:ext>
+            </a:extLst>
+          </a:ln>
+        </p:spPr>
+        <p:style>
+          <a:lnRef idx="2">
+            <a:schemeClr val="accent1">
+              <a:shade val="50000"/>
+            </a:schemeClr>
+          </a:lnRef>
+          <a:fillRef idx="1">
+            <a:schemeClr val="accent1"/>
+          </a:fillRef>
+          <a:effectRef idx="0">
+            <a:schemeClr val="accent1"/>
+          </a:effectRef>
+          <a:fontRef idx="minor">
+            <a:schemeClr val="lt1"/>
+          </a:fontRef>
+        </p:style>
+        <p:txBody>
+          <a:bodyPr rtlCol="0" anchor="ctr"/>
           <a:lstStyle/>
           <a:p>
-            <a:r>
-              <a:rPr lang="pt-BR" dirty="0"/>
-              <a:t>Vamos para o </a:t>
-            </a:r>
-            <a:r>
-              <a:rPr lang="pt-BR" dirty="0" err="1"/>
-              <a:t>codigo</a:t>
-            </a:r>
-            <a:endParaRPr lang="pt-BR" dirty="0"/>
-          </a:p>
-        </p:txBody>
-      </p:sp>
-      <p:sp>
-        <p:nvSpPr>
-          <p:cNvPr id="3" name="Subtítulo 2">
-            <a:extLst>
-              <a:ext uri="{FF2B5EF4-FFF2-40B4-BE49-F238E27FC236}">
-                <a16:creationId xmlns:a16="http://schemas.microsoft.com/office/drawing/2014/main" id="{37E3623A-EF40-24DC-B2AA-D7E141D27AB2}"/>
-              </a:ext>
-            </a:extLst>
-          </p:cNvPr>
-          <p:cNvSpPr>
-            <a:spLocks noGrp="1"/>
-          </p:cNvSpPr>
-          <p:nvPr>
-            <p:ph type="subTitle" idx="1"/>
-          </p:nvPr>
-        </p:nvSpPr>
-        <p:spPr/>
-        <p:txBody>
-          <a:bodyPr/>
-          <a:lstStyle/>
-          <a:p>
-            <a:r>
-              <a:rPr lang="pt-BR" dirty="0">
-                <a:hlinkClick r:id="rId2"/>
-              </a:rPr>
-              <a:t>https://replit.com/join/bkkqqibobn-arturvalladares</a:t>
-            </a:r>
-            <a:r>
-              <a:rPr lang="pt-BR" dirty="0"/>
-              <a:t> </a:t>
-            </a:r>
+            <a:pPr algn="ctr"/>
+            <a:endParaRPr lang="en-US"/>
           </a:p>
         </p:txBody>
       </p:sp>
